--- a/concept/kreativkopf_concept_draft.pptx
+++ b/concept/kreativkopf_concept_draft.pptx
@@ -261,7 +261,7 @@
           <a:p>
             <a:fld id="{AD759C05-7800-D742-A36D-EDF88F504BCA}" type="datetimeFigureOut">
               <a:rPr lang="en-US" smtClean="0"/>
-              <a:t>1/29/21</a:t>
+              <a:t>3/10/21</a:t>
             </a:fld>
             <a:endParaRPr lang="en-US"/>
           </a:p>
@@ -461,7 +461,7 @@
           <a:p>
             <a:fld id="{AD759C05-7800-D742-A36D-EDF88F504BCA}" type="datetimeFigureOut">
               <a:rPr lang="en-US" smtClean="0"/>
-              <a:t>1/29/21</a:t>
+              <a:t>3/10/21</a:t>
             </a:fld>
             <a:endParaRPr lang="en-US"/>
           </a:p>
@@ -671,7 +671,7 @@
           <a:p>
             <a:fld id="{AD759C05-7800-D742-A36D-EDF88F504BCA}" type="datetimeFigureOut">
               <a:rPr lang="en-US" smtClean="0"/>
-              <a:t>1/29/21</a:t>
+              <a:t>3/10/21</a:t>
             </a:fld>
             <a:endParaRPr lang="en-US"/>
           </a:p>
@@ -871,7 +871,7 @@
           <a:p>
             <a:fld id="{AD759C05-7800-D742-A36D-EDF88F504BCA}" type="datetimeFigureOut">
               <a:rPr lang="en-US" smtClean="0"/>
-              <a:t>1/29/21</a:t>
+              <a:t>3/10/21</a:t>
             </a:fld>
             <a:endParaRPr lang="en-US"/>
           </a:p>
@@ -1147,7 +1147,7 @@
           <a:p>
             <a:fld id="{AD759C05-7800-D742-A36D-EDF88F504BCA}" type="datetimeFigureOut">
               <a:rPr lang="en-US" smtClean="0"/>
-              <a:t>1/29/21</a:t>
+              <a:t>3/10/21</a:t>
             </a:fld>
             <a:endParaRPr lang="en-US"/>
           </a:p>
@@ -1415,7 +1415,7 @@
           <a:p>
             <a:fld id="{AD759C05-7800-D742-A36D-EDF88F504BCA}" type="datetimeFigureOut">
               <a:rPr lang="en-US" smtClean="0"/>
-              <a:t>1/29/21</a:t>
+              <a:t>3/10/21</a:t>
             </a:fld>
             <a:endParaRPr lang="en-US"/>
           </a:p>
@@ -1830,7 +1830,7 @@
           <a:p>
             <a:fld id="{AD759C05-7800-D742-A36D-EDF88F504BCA}" type="datetimeFigureOut">
               <a:rPr lang="en-US" smtClean="0"/>
-              <a:t>1/29/21</a:t>
+              <a:t>3/10/21</a:t>
             </a:fld>
             <a:endParaRPr lang="en-US"/>
           </a:p>
@@ -1972,7 +1972,7 @@
           <a:p>
             <a:fld id="{AD759C05-7800-D742-A36D-EDF88F504BCA}" type="datetimeFigureOut">
               <a:rPr lang="en-US" smtClean="0"/>
-              <a:t>1/29/21</a:t>
+              <a:t>3/10/21</a:t>
             </a:fld>
             <a:endParaRPr lang="en-US"/>
           </a:p>
@@ -2085,7 +2085,7 @@
           <a:p>
             <a:fld id="{AD759C05-7800-D742-A36D-EDF88F504BCA}" type="datetimeFigureOut">
               <a:rPr lang="en-US" smtClean="0"/>
-              <a:t>1/29/21</a:t>
+              <a:t>3/10/21</a:t>
             </a:fld>
             <a:endParaRPr lang="en-US"/>
           </a:p>
@@ -2398,7 +2398,7 @@
           <a:p>
             <a:fld id="{AD759C05-7800-D742-A36D-EDF88F504BCA}" type="datetimeFigureOut">
               <a:rPr lang="en-US" smtClean="0"/>
-              <a:t>1/29/21</a:t>
+              <a:t>3/10/21</a:t>
             </a:fld>
             <a:endParaRPr lang="en-US"/>
           </a:p>
@@ -2687,7 +2687,7 @@
           <a:p>
             <a:fld id="{AD759C05-7800-D742-A36D-EDF88F504BCA}" type="datetimeFigureOut">
               <a:rPr lang="en-US" smtClean="0"/>
-              <a:t>1/29/21</a:t>
+              <a:t>3/10/21</a:t>
             </a:fld>
             <a:endParaRPr lang="en-US"/>
           </a:p>
@@ -2930,7 +2930,7 @@
           <a:p>
             <a:fld id="{AD759C05-7800-D742-A36D-EDF88F504BCA}" type="datetimeFigureOut">
               <a:rPr lang="en-US" smtClean="0"/>
-              <a:t>1/29/21</a:t>
+              <a:t>3/10/21</a:t>
             </a:fld>
             <a:endParaRPr lang="en-US"/>
           </a:p>
@@ -3374,7 +3374,7 @@
         </p:nvSpPr>
         <p:spPr>
           <a:xfrm>
-            <a:off x="679453" y="1860607"/>
+            <a:off x="679453" y="2105561"/>
             <a:ext cx="10833094" cy="2646878"/>
           </a:xfrm>
           <a:prstGeom prst="rect">
@@ -3424,54 +3424,6 @@
                 <a:cs typeface="Arial Unicode MS" panose="020B0604020202020204" pitchFamily="34" charset="-128"/>
               </a:rPr>
               <a:t>KOPF</a:t>
-            </a:r>
-          </a:p>
-        </p:txBody>
-      </p:sp>
-      <p:sp>
-        <p:nvSpPr>
-          <p:cNvPr id="5" name="TextBox 4">
-            <a:extLst>
-              <a:ext uri="{FF2B5EF4-FFF2-40B4-BE49-F238E27FC236}">
-                <a16:creationId xmlns:a16="http://schemas.microsoft.com/office/drawing/2014/main" id="{5BB3A9F1-6D4C-F74A-8D5E-073EDD1265CE}"/>
-              </a:ext>
-            </a:extLst>
-          </p:cNvPr>
-          <p:cNvSpPr txBox="1"/>
-          <p:nvPr/>
-        </p:nvSpPr>
-        <p:spPr>
-          <a:xfrm>
-            <a:off x="755653" y="4025928"/>
-            <a:ext cx="11104322" cy="492443"/>
-          </a:xfrm>
-          <a:prstGeom prst="rect">
-            <a:avLst/>
-          </a:prstGeom>
-          <a:noFill/>
-        </p:spPr>
-        <p:txBody>
-          <a:bodyPr wrap="none" rtlCol="0">
-            <a:spAutoFit/>
-          </a:bodyPr>
-          <a:lstStyle/>
-          <a:p>
-            <a:r>
-              <a:rPr lang="en-US" sz="2500" spc="350" dirty="0">
-                <a:solidFill>
-                  <a:srgbClr val="FBFBFB"/>
-                </a:solidFill>
-                <a:effectLst>
-                  <a:outerShdw blurRad="50800" dist="38100" dir="5400000" algn="t" rotWithShape="0">
-                    <a:schemeClr val="bg1">
-                      <a:lumMod val="50000"/>
-                      <a:alpha val="40000"/>
-                    </a:schemeClr>
-                  </a:outerShdw>
-                </a:effectLst>
-                <a:latin typeface="Helvetica" pitchFamily="2" charset="0"/>
-              </a:rPr>
-              <a:t>Marketing Intelligence by kreativbox.io &amp; machinemind.io</a:t>
             </a:r>
           </a:p>
         </p:txBody>

--- a/concept/kreativkopf_concept_draft.pptx
+++ b/concept/kreativkopf_concept_draft.pptx
@@ -6,6 +6,12 @@
   </p:sldMasterIdLst>
   <p:sldIdLst>
     <p:sldId id="256" r:id="rId2"/>
+    <p:sldId id="257" r:id="rId3"/>
+    <p:sldId id="258" r:id="rId4"/>
+    <p:sldId id="259" r:id="rId5"/>
+    <p:sldId id="262" r:id="rId6"/>
+    <p:sldId id="260" r:id="rId7"/>
+    <p:sldId id="261" r:id="rId8"/>
   </p:sldIdLst>
   <p:sldSz cx="12192000" cy="6858000"/>
   <p:notesSz cx="6858000" cy="9144000"/>
@@ -261,7 +267,7 @@
           <a:p>
             <a:fld id="{AD759C05-7800-D742-A36D-EDF88F504BCA}" type="datetimeFigureOut">
               <a:rPr lang="en-US" smtClean="0"/>
-              <a:t>3/10/21</a:t>
+              <a:t>3/12/21</a:t>
             </a:fld>
             <a:endParaRPr lang="en-US"/>
           </a:p>
@@ -461,7 +467,7 @@
           <a:p>
             <a:fld id="{AD759C05-7800-D742-A36D-EDF88F504BCA}" type="datetimeFigureOut">
               <a:rPr lang="en-US" smtClean="0"/>
-              <a:t>3/10/21</a:t>
+              <a:t>3/12/21</a:t>
             </a:fld>
             <a:endParaRPr lang="en-US"/>
           </a:p>
@@ -671,7 +677,7 @@
           <a:p>
             <a:fld id="{AD759C05-7800-D742-A36D-EDF88F504BCA}" type="datetimeFigureOut">
               <a:rPr lang="en-US" smtClean="0"/>
-              <a:t>3/10/21</a:t>
+              <a:t>3/12/21</a:t>
             </a:fld>
             <a:endParaRPr lang="en-US"/>
           </a:p>
@@ -871,7 +877,7 @@
           <a:p>
             <a:fld id="{AD759C05-7800-D742-A36D-EDF88F504BCA}" type="datetimeFigureOut">
               <a:rPr lang="en-US" smtClean="0"/>
-              <a:t>3/10/21</a:t>
+              <a:t>3/12/21</a:t>
             </a:fld>
             <a:endParaRPr lang="en-US"/>
           </a:p>
@@ -1147,7 +1153,7 @@
           <a:p>
             <a:fld id="{AD759C05-7800-D742-A36D-EDF88F504BCA}" type="datetimeFigureOut">
               <a:rPr lang="en-US" smtClean="0"/>
-              <a:t>3/10/21</a:t>
+              <a:t>3/12/21</a:t>
             </a:fld>
             <a:endParaRPr lang="en-US"/>
           </a:p>
@@ -1415,7 +1421,7 @@
           <a:p>
             <a:fld id="{AD759C05-7800-D742-A36D-EDF88F504BCA}" type="datetimeFigureOut">
               <a:rPr lang="en-US" smtClean="0"/>
-              <a:t>3/10/21</a:t>
+              <a:t>3/12/21</a:t>
             </a:fld>
             <a:endParaRPr lang="en-US"/>
           </a:p>
@@ -1830,7 +1836,7 @@
           <a:p>
             <a:fld id="{AD759C05-7800-D742-A36D-EDF88F504BCA}" type="datetimeFigureOut">
               <a:rPr lang="en-US" smtClean="0"/>
-              <a:t>3/10/21</a:t>
+              <a:t>3/12/21</a:t>
             </a:fld>
             <a:endParaRPr lang="en-US"/>
           </a:p>
@@ -1972,7 +1978,7 @@
           <a:p>
             <a:fld id="{AD759C05-7800-D742-A36D-EDF88F504BCA}" type="datetimeFigureOut">
               <a:rPr lang="en-US" smtClean="0"/>
-              <a:t>3/10/21</a:t>
+              <a:t>3/12/21</a:t>
             </a:fld>
             <a:endParaRPr lang="en-US"/>
           </a:p>
@@ -2085,7 +2091,7 @@
           <a:p>
             <a:fld id="{AD759C05-7800-D742-A36D-EDF88F504BCA}" type="datetimeFigureOut">
               <a:rPr lang="en-US" smtClean="0"/>
-              <a:t>3/10/21</a:t>
+              <a:t>3/12/21</a:t>
             </a:fld>
             <a:endParaRPr lang="en-US"/>
           </a:p>
@@ -2398,7 +2404,7 @@
           <a:p>
             <a:fld id="{AD759C05-7800-D742-A36D-EDF88F504BCA}" type="datetimeFigureOut">
               <a:rPr lang="en-US" smtClean="0"/>
-              <a:t>3/10/21</a:t>
+              <a:t>3/12/21</a:t>
             </a:fld>
             <a:endParaRPr lang="en-US"/>
           </a:p>
@@ -2687,7 +2693,7 @@
           <a:p>
             <a:fld id="{AD759C05-7800-D742-A36D-EDF88F504BCA}" type="datetimeFigureOut">
               <a:rPr lang="en-US" smtClean="0"/>
-              <a:t>3/10/21</a:t>
+              <a:t>3/12/21</a:t>
             </a:fld>
             <a:endParaRPr lang="en-US"/>
           </a:p>
@@ -2930,7 +2936,7 @@
           <a:p>
             <a:fld id="{AD759C05-7800-D742-A36D-EDF88F504BCA}" type="datetimeFigureOut">
               <a:rPr lang="en-US" smtClean="0"/>
-              <a:t>3/10/21</a:t>
+              <a:t>3/12/21</a:t>
             </a:fld>
             <a:endParaRPr lang="en-US"/>
           </a:p>
@@ -3441,6 +3447,1719 @@
 </p:sld>
 </file>
 
+<file path=ppt/slides/slide2.xml><?xml version="1.0" encoding="utf-8"?>
+<p:sld xmlns:a="http://schemas.openxmlformats.org/drawingml/2006/main" xmlns:r="http://schemas.openxmlformats.org/officeDocument/2006/relationships" xmlns:p="http://schemas.openxmlformats.org/presentationml/2006/main">
+  <p:cSld>
+    <p:bg>
+      <p:bgPr>
+        <a:gradFill flip="none" rotWithShape="1">
+          <a:gsLst>
+            <a:gs pos="0">
+              <a:srgbClr val="B3262A"/>
+            </a:gs>
+            <a:gs pos="100000">
+              <a:srgbClr val="E93040"/>
+            </a:gs>
+          </a:gsLst>
+          <a:lin ang="16200000" scaled="1"/>
+          <a:tileRect/>
+        </a:gradFill>
+        <a:effectLst/>
+      </p:bgPr>
+    </p:bg>
+    <p:spTree>
+      <p:nvGrpSpPr>
+        <p:cNvPr id="1" name=""/>
+        <p:cNvGrpSpPr/>
+        <p:nvPr/>
+      </p:nvGrpSpPr>
+      <p:grpSpPr>
+        <a:xfrm>
+          <a:off x="0" y="0"/>
+          <a:ext cx="0" cy="0"/>
+          <a:chOff x="0" y="0"/>
+          <a:chExt cx="0" cy="0"/>
+        </a:xfrm>
+      </p:grpSpPr>
+      <p:sp>
+        <p:nvSpPr>
+          <p:cNvPr id="4" name="TextBox 3">
+            <a:extLst>
+              <a:ext uri="{FF2B5EF4-FFF2-40B4-BE49-F238E27FC236}">
+                <a16:creationId xmlns:a16="http://schemas.microsoft.com/office/drawing/2014/main" id="{A044F286-1CDE-264A-9B45-DAB998014BD7}"/>
+              </a:ext>
+            </a:extLst>
+          </p:cNvPr>
+          <p:cNvSpPr txBox="1"/>
+          <p:nvPr/>
+        </p:nvSpPr>
+        <p:spPr>
+          <a:xfrm>
+            <a:off x="1213842" y="2417480"/>
+            <a:ext cx="3214341" cy="1107996"/>
+          </a:xfrm>
+          <a:prstGeom prst="rect">
+            <a:avLst/>
+          </a:prstGeom>
+          <a:noFill/>
+        </p:spPr>
+        <p:txBody>
+          <a:bodyPr wrap="none" rtlCol="0">
+            <a:spAutoFit/>
+          </a:bodyPr>
+          <a:lstStyle/>
+          <a:p>
+            <a:r>
+              <a:rPr lang="en-US" sz="6600" b="1" dirty="0">
+                <a:solidFill>
+                  <a:schemeClr val="bg1"/>
+                </a:solidFill>
+                <a:latin typeface="Aharoni" panose="02010803020104030203" pitchFamily="2" charset="-79"/>
+                <a:cs typeface="Aharoni" panose="02010803020104030203" pitchFamily="2" charset="-79"/>
+              </a:rPr>
+              <a:t>was </a:t>
+            </a:r>
+            <a:r>
+              <a:rPr lang="en-US" sz="6600" b="1" dirty="0" err="1">
+                <a:solidFill>
+                  <a:schemeClr val="bg1"/>
+                </a:solidFill>
+                <a:latin typeface="Aharoni" panose="02010803020104030203" pitchFamily="2" charset="-79"/>
+                <a:cs typeface="Aharoni" panose="02010803020104030203" pitchFamily="2" charset="-79"/>
+              </a:rPr>
+              <a:t>ist</a:t>
+            </a:r>
+            <a:r>
+              <a:rPr lang="en-US" sz="6600" b="1" dirty="0">
+                <a:solidFill>
+                  <a:schemeClr val="bg1"/>
+                </a:solidFill>
+                <a:latin typeface="Aharoni" panose="02010803020104030203" pitchFamily="2" charset="-79"/>
+                <a:cs typeface="Aharoni" panose="02010803020104030203" pitchFamily="2" charset="-79"/>
+              </a:rPr>
+              <a:t> </a:t>
+            </a:r>
+          </a:p>
+        </p:txBody>
+      </p:sp>
+      <p:sp>
+        <p:nvSpPr>
+          <p:cNvPr id="5" name="TextBox 4">
+            <a:extLst>
+              <a:ext uri="{FF2B5EF4-FFF2-40B4-BE49-F238E27FC236}">
+                <a16:creationId xmlns:a16="http://schemas.microsoft.com/office/drawing/2014/main" id="{8A6DBD8E-D83B-DF4D-8B8D-C75B8C97359B}"/>
+              </a:ext>
+            </a:extLst>
+          </p:cNvPr>
+          <p:cNvSpPr txBox="1"/>
+          <p:nvPr/>
+        </p:nvSpPr>
+        <p:spPr>
+          <a:xfrm>
+            <a:off x="4337052" y="2417480"/>
+            <a:ext cx="4235134" cy="1107996"/>
+          </a:xfrm>
+          <a:prstGeom prst="rect">
+            <a:avLst/>
+          </a:prstGeom>
+          <a:noFill/>
+        </p:spPr>
+        <p:txBody>
+          <a:bodyPr wrap="none" rtlCol="0">
+            <a:spAutoFit/>
+          </a:bodyPr>
+          <a:lstStyle/>
+          <a:p>
+            <a:r>
+              <a:rPr lang="en-US" sz="6600" b="1" spc="-320" dirty="0">
+                <a:solidFill>
+                  <a:srgbClr val="FBFBFB"/>
+                </a:solidFill>
+                <a:effectLst>
+                  <a:outerShdw blurRad="50800" dist="38100" dir="5400000" algn="t" rotWithShape="0">
+                    <a:schemeClr val="bg1">
+                      <a:lumMod val="50000"/>
+                      <a:alpha val="40000"/>
+                    </a:schemeClr>
+                  </a:outerShdw>
+                </a:effectLst>
+                <a:latin typeface="Aharoni" panose="02010803020104030203" pitchFamily="2" charset="-79"/>
+                <a:cs typeface="Aharoni" panose="02010803020104030203" pitchFamily="2" charset="-79"/>
+              </a:rPr>
+              <a:t>kreativ</a:t>
+            </a:r>
+            <a:r>
+              <a:rPr lang="en-US" sz="4200" dirty="0">
+                <a:solidFill>
+                  <a:srgbClr val="FBFBFB"/>
+                </a:solidFill>
+                <a:effectLst>
+                  <a:outerShdw blurRad="50800" dist="38100" dir="5400000" algn="t" rotWithShape="0">
+                    <a:schemeClr val="bg1">
+                      <a:lumMod val="50000"/>
+                      <a:alpha val="40000"/>
+                    </a:schemeClr>
+                  </a:outerShdw>
+                </a:effectLst>
+                <a:latin typeface="Arial Unicode MS" panose="020B0604020202020204" pitchFamily="34" charset="-128"/>
+                <a:ea typeface="Arial Unicode MS" panose="020B0604020202020204" pitchFamily="34" charset="-128"/>
+                <a:cs typeface="Arial Unicode MS" panose="020B0604020202020204" pitchFamily="34" charset="-128"/>
+              </a:rPr>
+              <a:t>KOPF</a:t>
+            </a:r>
+          </a:p>
+        </p:txBody>
+      </p:sp>
+    </p:spTree>
+    <p:extLst>
+      <p:ext uri="{BB962C8B-B14F-4D97-AF65-F5344CB8AC3E}">
+        <p14:creationId xmlns:p14="http://schemas.microsoft.com/office/powerpoint/2010/main" val="2350094357"/>
+      </p:ext>
+    </p:extLst>
+  </p:cSld>
+  <p:clrMapOvr>
+    <a:masterClrMapping/>
+  </p:clrMapOvr>
+</p:sld>
+</file>
+
+<file path=ppt/slides/slide3.xml><?xml version="1.0" encoding="utf-8"?>
+<p:sld xmlns:a="http://schemas.openxmlformats.org/drawingml/2006/main" xmlns:r="http://schemas.openxmlformats.org/officeDocument/2006/relationships" xmlns:p="http://schemas.openxmlformats.org/presentationml/2006/main">
+  <p:cSld>
+    <p:bg>
+      <p:bgPr>
+        <a:gradFill flip="none" rotWithShape="1">
+          <a:gsLst>
+            <a:gs pos="0">
+              <a:schemeClr val="accent2">
+                <a:lumMod val="67000"/>
+              </a:schemeClr>
+            </a:gs>
+            <a:gs pos="100000">
+              <a:schemeClr val="accent2">
+                <a:lumMod val="97000"/>
+                <a:lumOff val="3000"/>
+              </a:schemeClr>
+            </a:gs>
+          </a:gsLst>
+          <a:lin ang="16200000" scaled="1"/>
+          <a:tileRect/>
+        </a:gradFill>
+        <a:effectLst/>
+      </p:bgPr>
+    </p:bg>
+    <p:spTree>
+      <p:nvGrpSpPr>
+        <p:cNvPr id="1" name=""/>
+        <p:cNvGrpSpPr/>
+        <p:nvPr/>
+      </p:nvGrpSpPr>
+      <p:grpSpPr>
+        <a:xfrm>
+          <a:off x="0" y="0"/>
+          <a:ext cx="0" cy="0"/>
+          <a:chOff x="0" y="0"/>
+          <a:chExt cx="0" cy="0"/>
+        </a:xfrm>
+      </p:grpSpPr>
+      <p:sp>
+        <p:nvSpPr>
+          <p:cNvPr id="4" name="TextBox 3">
+            <a:extLst>
+              <a:ext uri="{FF2B5EF4-FFF2-40B4-BE49-F238E27FC236}">
+                <a16:creationId xmlns:a16="http://schemas.microsoft.com/office/drawing/2014/main" id="{32BF05A3-9289-4641-B741-CCA19FBF7100}"/>
+              </a:ext>
+            </a:extLst>
+          </p:cNvPr>
+          <p:cNvSpPr txBox="1"/>
+          <p:nvPr/>
+        </p:nvSpPr>
+        <p:spPr>
+          <a:xfrm>
+            <a:off x="1201966" y="1728711"/>
+            <a:ext cx="8475397" cy="3139321"/>
+          </a:xfrm>
+          <a:prstGeom prst="rect">
+            <a:avLst/>
+          </a:prstGeom>
+          <a:noFill/>
+        </p:spPr>
+        <p:txBody>
+          <a:bodyPr wrap="none" rtlCol="0">
+            <a:spAutoFit/>
+          </a:bodyPr>
+          <a:lstStyle/>
+          <a:p>
+            <a:r>
+              <a:rPr lang="en-US" sz="6600" b="1" dirty="0">
+                <a:solidFill>
+                  <a:schemeClr val="bg1"/>
+                </a:solidFill>
+                <a:latin typeface="Aharoni" panose="02010803020104030203" pitchFamily="2" charset="-79"/>
+                <a:cs typeface="Aharoni" panose="02010803020104030203" pitchFamily="2" charset="-79"/>
+              </a:rPr>
+              <a:t>was </a:t>
+            </a:r>
+            <a:r>
+              <a:rPr lang="en-US" sz="6600" b="1" dirty="0" err="1">
+                <a:solidFill>
+                  <a:schemeClr val="bg1"/>
+                </a:solidFill>
+                <a:latin typeface="Aharoni" panose="02010803020104030203" pitchFamily="2" charset="-79"/>
+                <a:cs typeface="Aharoni" panose="02010803020104030203" pitchFamily="2" charset="-79"/>
+              </a:rPr>
+              <a:t>macht</a:t>
+            </a:r>
+            <a:r>
+              <a:rPr lang="en-US" sz="6600" b="1" dirty="0">
+                <a:solidFill>
+                  <a:schemeClr val="bg1"/>
+                </a:solidFill>
+                <a:latin typeface="Aharoni" panose="02010803020104030203" pitchFamily="2" charset="-79"/>
+                <a:cs typeface="Aharoni" panose="02010803020104030203" pitchFamily="2" charset="-79"/>
+              </a:rPr>
+              <a:t> es</a:t>
+            </a:r>
+          </a:p>
+          <a:p>
+            <a:r>
+              <a:rPr lang="en-US" sz="6600" b="1" dirty="0" err="1">
+                <a:solidFill>
+                  <a:schemeClr val="bg1"/>
+                </a:solidFill>
+                <a:latin typeface="Aharoni" panose="02010803020104030203" pitchFamily="2" charset="-79"/>
+                <a:cs typeface="Aharoni" panose="02010803020104030203" pitchFamily="2" charset="-79"/>
+              </a:rPr>
+              <a:t>wie</a:t>
+            </a:r>
+            <a:r>
+              <a:rPr lang="en-US" sz="6600" b="1" dirty="0">
+                <a:solidFill>
+                  <a:schemeClr val="bg1"/>
+                </a:solidFill>
+                <a:latin typeface="Aharoni" panose="02010803020104030203" pitchFamily="2" charset="-79"/>
+                <a:cs typeface="Aharoni" panose="02010803020104030203" pitchFamily="2" charset="-79"/>
+              </a:rPr>
+              <a:t>  </a:t>
+            </a:r>
+            <a:r>
+              <a:rPr lang="en-US" sz="6600" b="1" dirty="0" err="1">
+                <a:solidFill>
+                  <a:schemeClr val="bg1"/>
+                </a:solidFill>
+                <a:latin typeface="Aharoni" panose="02010803020104030203" pitchFamily="2" charset="-79"/>
+                <a:cs typeface="Aharoni" panose="02010803020104030203" pitchFamily="2" charset="-79"/>
+              </a:rPr>
+              <a:t>fuehlt</a:t>
+            </a:r>
+            <a:r>
+              <a:rPr lang="en-US" sz="6600" b="1" dirty="0">
+                <a:solidFill>
+                  <a:schemeClr val="bg1"/>
+                </a:solidFill>
+                <a:latin typeface="Aharoni" panose="02010803020104030203" pitchFamily="2" charset="-79"/>
+                <a:cs typeface="Aharoni" panose="02010803020104030203" pitchFamily="2" charset="-79"/>
+              </a:rPr>
+              <a:t> es </a:t>
+            </a:r>
+            <a:r>
+              <a:rPr lang="en-US" sz="6600" b="1" dirty="0" err="1">
+                <a:solidFill>
+                  <a:schemeClr val="bg1"/>
+                </a:solidFill>
+                <a:latin typeface="Aharoni" panose="02010803020104030203" pitchFamily="2" charset="-79"/>
+                <a:cs typeface="Aharoni" panose="02010803020104030203" pitchFamily="2" charset="-79"/>
+              </a:rPr>
+              <a:t>sich</a:t>
+            </a:r>
+            <a:r>
+              <a:rPr lang="en-US" sz="6600" b="1" dirty="0">
+                <a:solidFill>
+                  <a:schemeClr val="bg1"/>
+                </a:solidFill>
+                <a:latin typeface="Aharoni" panose="02010803020104030203" pitchFamily="2" charset="-79"/>
+                <a:cs typeface="Aharoni" panose="02010803020104030203" pitchFamily="2" charset="-79"/>
+              </a:rPr>
+              <a:t> an</a:t>
+            </a:r>
+          </a:p>
+          <a:p>
+            <a:r>
+              <a:rPr lang="en-US" sz="6600" b="1" dirty="0">
+                <a:solidFill>
+                  <a:schemeClr val="bg1"/>
+                </a:solidFill>
+                <a:latin typeface="Aharoni" panose="02010803020104030203" pitchFamily="2" charset="-79"/>
+                <a:cs typeface="Aharoni" panose="02010803020104030203" pitchFamily="2" charset="-79"/>
+              </a:rPr>
+              <a:t>was </a:t>
+            </a:r>
+            <a:r>
+              <a:rPr lang="en-US" sz="6600" b="1" dirty="0" err="1">
+                <a:solidFill>
+                  <a:schemeClr val="bg1"/>
+                </a:solidFill>
+                <a:latin typeface="Aharoni" panose="02010803020104030203" pitchFamily="2" charset="-79"/>
+                <a:cs typeface="Aharoni" panose="02010803020104030203" pitchFamily="2" charset="-79"/>
+              </a:rPr>
+              <a:t>loest</a:t>
+            </a:r>
+            <a:r>
+              <a:rPr lang="en-US" sz="6600" b="1" dirty="0">
+                <a:solidFill>
+                  <a:schemeClr val="bg1"/>
+                </a:solidFill>
+                <a:latin typeface="Aharoni" panose="02010803020104030203" pitchFamily="2" charset="-79"/>
+                <a:cs typeface="Aharoni" panose="02010803020104030203" pitchFamily="2" charset="-79"/>
+              </a:rPr>
+              <a:t> es </a:t>
+            </a:r>
+            <a:r>
+              <a:rPr lang="en-US" sz="6600" b="1" dirty="0" err="1">
+                <a:solidFill>
+                  <a:schemeClr val="bg1"/>
+                </a:solidFill>
+                <a:latin typeface="Aharoni" panose="02010803020104030203" pitchFamily="2" charset="-79"/>
+                <a:cs typeface="Aharoni" panose="02010803020104030203" pitchFamily="2" charset="-79"/>
+              </a:rPr>
+              <a:t>aus</a:t>
+            </a:r>
+            <a:endParaRPr lang="en-US" sz="6600" b="1" dirty="0">
+              <a:solidFill>
+                <a:schemeClr val="bg1"/>
+              </a:solidFill>
+              <a:latin typeface="Aharoni" panose="02010803020104030203" pitchFamily="2" charset="-79"/>
+              <a:cs typeface="Aharoni" panose="02010803020104030203" pitchFamily="2" charset="-79"/>
+            </a:endParaRPr>
+          </a:p>
+        </p:txBody>
+      </p:sp>
+    </p:spTree>
+    <p:extLst>
+      <p:ext uri="{BB962C8B-B14F-4D97-AF65-F5344CB8AC3E}">
+        <p14:creationId xmlns:p14="http://schemas.microsoft.com/office/powerpoint/2010/main" val="788673547"/>
+      </p:ext>
+    </p:extLst>
+  </p:cSld>
+  <p:clrMapOvr>
+    <a:masterClrMapping/>
+  </p:clrMapOvr>
+</p:sld>
+</file>
+
+<file path=ppt/slides/slide4.xml><?xml version="1.0" encoding="utf-8"?>
+<p:sld xmlns:a="http://schemas.openxmlformats.org/drawingml/2006/main" xmlns:r="http://schemas.openxmlformats.org/officeDocument/2006/relationships" xmlns:p="http://schemas.openxmlformats.org/presentationml/2006/main">
+  <p:cSld>
+    <p:bg>
+      <p:bgPr>
+        <a:gradFill flip="none" rotWithShape="1">
+          <a:gsLst>
+            <a:gs pos="0">
+              <a:schemeClr val="accent4">
+                <a:lumMod val="97000"/>
+                <a:lumOff val="3000"/>
+              </a:schemeClr>
+            </a:gs>
+            <a:gs pos="100000">
+              <a:schemeClr val="accent4">
+                <a:lumMod val="60000"/>
+                <a:lumOff val="40000"/>
+              </a:schemeClr>
+            </a:gs>
+          </a:gsLst>
+          <a:lin ang="16200000" scaled="1"/>
+          <a:tileRect/>
+        </a:gradFill>
+        <a:effectLst/>
+      </p:bgPr>
+    </p:bg>
+    <p:spTree>
+      <p:nvGrpSpPr>
+        <p:cNvPr id="1" name=""/>
+        <p:cNvGrpSpPr/>
+        <p:nvPr/>
+      </p:nvGrpSpPr>
+      <p:grpSpPr>
+        <a:xfrm>
+          <a:off x="0" y="0"/>
+          <a:ext cx="0" cy="0"/>
+          <a:chOff x="0" y="0"/>
+          <a:chExt cx="0" cy="0"/>
+        </a:xfrm>
+      </p:grpSpPr>
+      <p:sp>
+        <p:nvSpPr>
+          <p:cNvPr id="26" name="TextBox 25">
+            <a:extLst>
+              <a:ext uri="{FF2B5EF4-FFF2-40B4-BE49-F238E27FC236}">
+                <a16:creationId xmlns:a16="http://schemas.microsoft.com/office/drawing/2014/main" id="{23E50388-CDFF-4447-8DFE-DC141EB325F6}"/>
+              </a:ext>
+            </a:extLst>
+          </p:cNvPr>
+          <p:cNvSpPr txBox="1"/>
+          <p:nvPr/>
+        </p:nvSpPr>
+        <p:spPr>
+          <a:xfrm>
+            <a:off x="1371493" y="2875002"/>
+            <a:ext cx="2698175" cy="1107996"/>
+          </a:xfrm>
+          <a:prstGeom prst="rect">
+            <a:avLst/>
+          </a:prstGeom>
+          <a:noFill/>
+        </p:spPr>
+        <p:txBody>
+          <a:bodyPr wrap="none" rtlCol="0">
+            <a:spAutoFit/>
+          </a:bodyPr>
+          <a:lstStyle/>
+          <a:p>
+            <a:r>
+              <a:rPr lang="en-US" sz="6600" b="1" dirty="0" err="1">
+                <a:solidFill>
+                  <a:schemeClr val="bg1"/>
+                </a:solidFill>
+                <a:latin typeface="Aharoni" panose="02010803020104030203" pitchFamily="2" charset="-79"/>
+                <a:cs typeface="Aharoni" panose="02010803020104030203" pitchFamily="2" charset="-79"/>
+              </a:rPr>
+              <a:t>wohin</a:t>
+            </a:r>
+            <a:endParaRPr lang="en-US" sz="6600" b="1" dirty="0">
+              <a:solidFill>
+                <a:schemeClr val="bg1"/>
+              </a:solidFill>
+              <a:latin typeface="Aharoni" panose="02010803020104030203" pitchFamily="2" charset="-79"/>
+              <a:cs typeface="Aharoni" panose="02010803020104030203" pitchFamily="2" charset="-79"/>
+            </a:endParaRPr>
+          </a:p>
+        </p:txBody>
+      </p:sp>
+    </p:spTree>
+    <p:extLst>
+      <p:ext uri="{BB962C8B-B14F-4D97-AF65-F5344CB8AC3E}">
+        <p14:creationId xmlns:p14="http://schemas.microsoft.com/office/powerpoint/2010/main" val="2512322221"/>
+      </p:ext>
+    </p:extLst>
+  </p:cSld>
+  <p:clrMapOvr>
+    <a:masterClrMapping/>
+  </p:clrMapOvr>
+</p:sld>
+</file>
+
+<file path=ppt/slides/slide5.xml><?xml version="1.0" encoding="utf-8"?>
+<p:sld xmlns:a="http://schemas.openxmlformats.org/drawingml/2006/main" xmlns:r="http://schemas.openxmlformats.org/officeDocument/2006/relationships" xmlns:p="http://schemas.openxmlformats.org/presentationml/2006/main" show="0">
+  <p:cSld>
+    <p:spTree>
+      <p:nvGrpSpPr>
+        <p:cNvPr id="1" name=""/>
+        <p:cNvGrpSpPr/>
+        <p:nvPr/>
+      </p:nvGrpSpPr>
+      <p:grpSpPr>
+        <a:xfrm>
+          <a:off x="0" y="0"/>
+          <a:ext cx="0" cy="0"/>
+          <a:chOff x="0" y="0"/>
+          <a:chExt cx="0" cy="0"/>
+        </a:xfrm>
+      </p:grpSpPr>
+      <p:pic>
+        <p:nvPicPr>
+          <p:cNvPr id="4" name="Grafik 33" descr="Rakete">
+            <a:extLst>
+              <a:ext uri="{FF2B5EF4-FFF2-40B4-BE49-F238E27FC236}">
+                <a16:creationId xmlns:a16="http://schemas.microsoft.com/office/drawing/2014/main" id="{7E33186D-9AC8-8040-BD86-2F287AB63113}"/>
+              </a:ext>
+            </a:extLst>
+          </p:cNvPr>
+          <p:cNvPicPr>
+            <a:picLocks noChangeAspect="1"/>
+          </p:cNvPicPr>
+          <p:nvPr/>
+        </p:nvPicPr>
+        <p:blipFill>
+          <a:blip r:embed="rId2">
+            <a:extLst>
+              <a:ext uri="{96DAC541-7B7A-43D3-8B79-37D633B846F1}">
+                <asvg:svgBlip xmlns:asvg="http://schemas.microsoft.com/office/drawing/2016/SVG/main" r:embed="rId3"/>
+              </a:ext>
+            </a:extLst>
+          </a:blip>
+          <a:stretch>
+            <a:fillRect/>
+          </a:stretch>
+        </p:blipFill>
+        <p:spPr>
+          <a:xfrm rot="18896882">
+            <a:off x="2691542" y="5085232"/>
+            <a:ext cx="441759" cy="441759"/>
+          </a:xfrm>
+          <a:prstGeom prst="rect">
+            <a:avLst/>
+          </a:prstGeom>
+        </p:spPr>
+      </p:pic>
+      <p:sp>
+        <p:nvSpPr>
+          <p:cNvPr id="5" name="Textfeld 4">
+            <a:extLst>
+              <a:ext uri="{FF2B5EF4-FFF2-40B4-BE49-F238E27FC236}">
+                <a16:creationId xmlns:a16="http://schemas.microsoft.com/office/drawing/2014/main" id="{DA999921-174F-D34D-AA8E-847B972C6FF5}"/>
+              </a:ext>
+            </a:extLst>
+          </p:cNvPr>
+          <p:cNvSpPr txBox="1"/>
+          <p:nvPr/>
+        </p:nvSpPr>
+        <p:spPr>
+          <a:xfrm>
+            <a:off x="470486" y="5740400"/>
+            <a:ext cx="536172" cy="276999"/>
+          </a:xfrm>
+          <a:prstGeom prst="rect">
+            <a:avLst/>
+          </a:prstGeom>
+          <a:noFill/>
+        </p:spPr>
+        <p:txBody>
+          <a:bodyPr wrap="none" rtlCol="0">
+            <a:spAutoFit/>
+          </a:bodyPr>
+          <a:lstStyle/>
+          <a:p>
+            <a:pPr algn="ctr"/>
+            <a:r>
+              <a:rPr lang="de-DE" sz="1200" dirty="0" err="1">
+                <a:solidFill>
+                  <a:srgbClr val="606B71"/>
+                </a:solidFill>
+              </a:rPr>
+              <a:t>today</a:t>
+            </a:r>
+            <a:endParaRPr lang="de-DE" sz="1200" dirty="0">
+              <a:solidFill>
+                <a:srgbClr val="606B71"/>
+              </a:solidFill>
+            </a:endParaRPr>
+          </a:p>
+        </p:txBody>
+      </p:sp>
+      <p:sp>
+        <p:nvSpPr>
+          <p:cNvPr id="6" name="Textfeld 5">
+            <a:extLst>
+              <a:ext uri="{FF2B5EF4-FFF2-40B4-BE49-F238E27FC236}">
+                <a16:creationId xmlns:a16="http://schemas.microsoft.com/office/drawing/2014/main" id="{7CF26623-2605-0A46-A918-A676CA1E043A}"/>
+              </a:ext>
+            </a:extLst>
+          </p:cNvPr>
+          <p:cNvSpPr txBox="1"/>
+          <p:nvPr/>
+        </p:nvSpPr>
+        <p:spPr>
+          <a:xfrm>
+            <a:off x="2625579" y="5740400"/>
+            <a:ext cx="569387" cy="276999"/>
+          </a:xfrm>
+          <a:prstGeom prst="rect">
+            <a:avLst/>
+          </a:prstGeom>
+          <a:noFill/>
+        </p:spPr>
+        <p:txBody>
+          <a:bodyPr wrap="none" rtlCol="0">
+            <a:spAutoFit/>
+          </a:bodyPr>
+          <a:lstStyle/>
+          <a:p>
+            <a:pPr algn="ctr"/>
+            <a:r>
+              <a:rPr lang="de-DE" sz="1200" dirty="0">
+                <a:solidFill>
+                  <a:srgbClr val="606B71"/>
+                </a:solidFill>
+              </a:rPr>
+              <a:t>+ 30 d</a:t>
+            </a:r>
+          </a:p>
+        </p:txBody>
+      </p:sp>
+      <p:sp>
+        <p:nvSpPr>
+          <p:cNvPr id="7" name="Textfeld 6">
+            <a:extLst>
+              <a:ext uri="{FF2B5EF4-FFF2-40B4-BE49-F238E27FC236}">
+                <a16:creationId xmlns:a16="http://schemas.microsoft.com/office/drawing/2014/main" id="{3271CB97-7A44-C541-88F0-6A4A8E5F2A70}"/>
+              </a:ext>
+            </a:extLst>
+          </p:cNvPr>
+          <p:cNvSpPr txBox="1"/>
+          <p:nvPr/>
+        </p:nvSpPr>
+        <p:spPr>
+          <a:xfrm>
+            <a:off x="5788764" y="5740400"/>
+            <a:ext cx="479618" cy="276999"/>
+          </a:xfrm>
+          <a:prstGeom prst="rect">
+            <a:avLst/>
+          </a:prstGeom>
+          <a:noFill/>
+        </p:spPr>
+        <p:txBody>
+          <a:bodyPr wrap="none" rtlCol="0">
+            <a:spAutoFit/>
+          </a:bodyPr>
+          <a:lstStyle/>
+          <a:p>
+            <a:pPr algn="ctr"/>
+            <a:r>
+              <a:rPr lang="de-DE" sz="1200" dirty="0">
+                <a:solidFill>
+                  <a:srgbClr val="606B71"/>
+                </a:solidFill>
+              </a:rPr>
+              <a:t>+ 1 y</a:t>
+            </a:r>
+          </a:p>
+        </p:txBody>
+      </p:sp>
+      <p:sp>
+        <p:nvSpPr>
+          <p:cNvPr id="8" name="Textfeld 7">
+            <a:extLst>
+              <a:ext uri="{FF2B5EF4-FFF2-40B4-BE49-F238E27FC236}">
+                <a16:creationId xmlns:a16="http://schemas.microsoft.com/office/drawing/2014/main" id="{F56B6453-2FA9-514C-B239-F0372002C504}"/>
+              </a:ext>
+            </a:extLst>
+          </p:cNvPr>
+          <p:cNvSpPr txBox="1"/>
+          <p:nvPr/>
+        </p:nvSpPr>
+        <p:spPr>
+          <a:xfrm>
+            <a:off x="10773550" y="5740400"/>
+            <a:ext cx="479618" cy="276999"/>
+          </a:xfrm>
+          <a:prstGeom prst="rect">
+            <a:avLst/>
+          </a:prstGeom>
+          <a:noFill/>
+        </p:spPr>
+        <p:txBody>
+          <a:bodyPr wrap="none" rtlCol="0">
+            <a:spAutoFit/>
+          </a:bodyPr>
+          <a:lstStyle/>
+          <a:p>
+            <a:pPr algn="ctr"/>
+            <a:r>
+              <a:rPr lang="de-DE" sz="1200" dirty="0">
+                <a:solidFill>
+                  <a:srgbClr val="606B71"/>
+                </a:solidFill>
+              </a:rPr>
+              <a:t>+ 5 y</a:t>
+            </a:r>
+          </a:p>
+        </p:txBody>
+      </p:sp>
+      <p:cxnSp>
+        <p:nvCxnSpPr>
+          <p:cNvPr id="9" name="Gerader Verbinder 9">
+            <a:extLst>
+              <a:ext uri="{FF2B5EF4-FFF2-40B4-BE49-F238E27FC236}">
+                <a16:creationId xmlns:a16="http://schemas.microsoft.com/office/drawing/2014/main" id="{1418863E-78EA-D746-9F98-7194B36E0853}"/>
+              </a:ext>
+            </a:extLst>
+          </p:cNvPr>
+          <p:cNvCxnSpPr>
+            <a:cxnSpLocks/>
+          </p:cNvCxnSpPr>
+          <p:nvPr/>
+        </p:nvCxnSpPr>
+        <p:spPr>
+          <a:xfrm>
+            <a:off x="736600" y="5664200"/>
+            <a:ext cx="2070100" cy="0"/>
+          </a:xfrm>
+          <a:prstGeom prst="line">
+            <a:avLst/>
+          </a:prstGeom>
+          <a:ln w="25400" cap="rnd">
+            <a:solidFill>
+              <a:schemeClr val="bg1">
+                <a:lumMod val="50000"/>
+              </a:schemeClr>
+            </a:solidFill>
+            <a:headEnd type="oval"/>
+          </a:ln>
+        </p:spPr>
+        <p:style>
+          <a:lnRef idx="1">
+            <a:schemeClr val="accent1"/>
+          </a:lnRef>
+          <a:fillRef idx="0">
+            <a:schemeClr val="accent1"/>
+          </a:fillRef>
+          <a:effectRef idx="0">
+            <a:schemeClr val="accent1"/>
+          </a:effectRef>
+          <a:fontRef idx="minor">
+            <a:schemeClr val="tx1"/>
+          </a:fontRef>
+        </p:style>
+      </p:cxnSp>
+      <p:cxnSp>
+        <p:nvCxnSpPr>
+          <p:cNvPr id="10" name="Gerader Verbinder 10">
+            <a:extLst>
+              <a:ext uri="{FF2B5EF4-FFF2-40B4-BE49-F238E27FC236}">
+                <a16:creationId xmlns:a16="http://schemas.microsoft.com/office/drawing/2014/main" id="{0E6B0B16-1AD4-2247-B8BE-9FF4005E6F2B}"/>
+              </a:ext>
+            </a:extLst>
+          </p:cNvPr>
+          <p:cNvCxnSpPr>
+            <a:cxnSpLocks/>
+          </p:cNvCxnSpPr>
+          <p:nvPr/>
+        </p:nvCxnSpPr>
+        <p:spPr>
+          <a:xfrm>
+            <a:off x="2908300" y="5664200"/>
+            <a:ext cx="1310072" cy="0"/>
+          </a:xfrm>
+          <a:prstGeom prst="line">
+            <a:avLst/>
+          </a:prstGeom>
+          <a:ln w="25400" cap="rnd">
+            <a:solidFill>
+              <a:schemeClr val="bg1">
+                <a:lumMod val="50000"/>
+              </a:schemeClr>
+            </a:solidFill>
+            <a:headEnd type="oval"/>
+          </a:ln>
+        </p:spPr>
+        <p:style>
+          <a:lnRef idx="1">
+            <a:schemeClr val="accent1"/>
+          </a:lnRef>
+          <a:fillRef idx="0">
+            <a:schemeClr val="accent1"/>
+          </a:fillRef>
+          <a:effectRef idx="0">
+            <a:schemeClr val="accent1"/>
+          </a:effectRef>
+          <a:fontRef idx="minor">
+            <a:schemeClr val="tx1"/>
+          </a:fontRef>
+        </p:style>
+      </p:cxnSp>
+      <p:cxnSp>
+        <p:nvCxnSpPr>
+          <p:cNvPr id="11" name="Gerader Verbinder 13">
+            <a:extLst>
+              <a:ext uri="{FF2B5EF4-FFF2-40B4-BE49-F238E27FC236}">
+                <a16:creationId xmlns:a16="http://schemas.microsoft.com/office/drawing/2014/main" id="{28F1D795-FFB6-C54E-B42A-C9E03D2427E8}"/>
+              </a:ext>
+            </a:extLst>
+          </p:cNvPr>
+          <p:cNvCxnSpPr>
+            <a:cxnSpLocks/>
+          </p:cNvCxnSpPr>
+          <p:nvPr/>
+        </p:nvCxnSpPr>
+        <p:spPr>
+          <a:xfrm flipV="1">
+            <a:off x="4218372" y="5572761"/>
+            <a:ext cx="0" cy="91439"/>
+          </a:xfrm>
+          <a:prstGeom prst="line">
+            <a:avLst/>
+          </a:prstGeom>
+          <a:ln w="25400">
+            <a:solidFill>
+              <a:schemeClr val="bg1">
+                <a:lumMod val="50000"/>
+              </a:schemeClr>
+            </a:solidFill>
+            <a:prstDash val="sysDash"/>
+          </a:ln>
+        </p:spPr>
+        <p:style>
+          <a:lnRef idx="1">
+            <a:schemeClr val="accent1"/>
+          </a:lnRef>
+          <a:fillRef idx="0">
+            <a:schemeClr val="accent1"/>
+          </a:fillRef>
+          <a:effectRef idx="0">
+            <a:schemeClr val="accent1"/>
+          </a:effectRef>
+          <a:fontRef idx="minor">
+            <a:schemeClr val="tx1"/>
+          </a:fontRef>
+        </p:style>
+      </p:cxnSp>
+      <p:cxnSp>
+        <p:nvCxnSpPr>
+          <p:cNvPr id="12" name="Gerader Verbinder 15">
+            <a:extLst>
+              <a:ext uri="{FF2B5EF4-FFF2-40B4-BE49-F238E27FC236}">
+                <a16:creationId xmlns:a16="http://schemas.microsoft.com/office/drawing/2014/main" id="{DFB83057-A70B-4F47-99F9-164BB43049FD}"/>
+              </a:ext>
+            </a:extLst>
+          </p:cNvPr>
+          <p:cNvCxnSpPr>
+            <a:cxnSpLocks/>
+          </p:cNvCxnSpPr>
+          <p:nvPr/>
+        </p:nvCxnSpPr>
+        <p:spPr>
+          <a:xfrm>
+            <a:off x="4218371" y="5572761"/>
+            <a:ext cx="86929" cy="215899"/>
+          </a:xfrm>
+          <a:prstGeom prst="line">
+            <a:avLst/>
+          </a:prstGeom>
+          <a:ln w="25400" cap="rnd">
+            <a:solidFill>
+              <a:schemeClr val="bg1">
+                <a:lumMod val="50000"/>
+              </a:schemeClr>
+            </a:solidFill>
+            <a:prstDash val="sysDash"/>
+          </a:ln>
+        </p:spPr>
+        <p:style>
+          <a:lnRef idx="1">
+            <a:schemeClr val="accent1"/>
+          </a:lnRef>
+          <a:fillRef idx="0">
+            <a:schemeClr val="accent1"/>
+          </a:fillRef>
+          <a:effectRef idx="0">
+            <a:schemeClr val="accent1"/>
+          </a:effectRef>
+          <a:fontRef idx="minor">
+            <a:schemeClr val="tx1"/>
+          </a:fontRef>
+        </p:style>
+      </p:cxnSp>
+      <p:cxnSp>
+        <p:nvCxnSpPr>
+          <p:cNvPr id="13" name="Gerader Verbinder 17">
+            <a:extLst>
+              <a:ext uri="{FF2B5EF4-FFF2-40B4-BE49-F238E27FC236}">
+                <a16:creationId xmlns:a16="http://schemas.microsoft.com/office/drawing/2014/main" id="{B08B0CFD-B64C-7A40-956F-F47530DE6F60}"/>
+              </a:ext>
+            </a:extLst>
+          </p:cNvPr>
+          <p:cNvCxnSpPr/>
+          <p:nvPr/>
+        </p:nvCxnSpPr>
+        <p:spPr>
+          <a:xfrm flipV="1">
+            <a:off x="4306885" y="5664200"/>
+            <a:ext cx="0" cy="109220"/>
+          </a:xfrm>
+          <a:prstGeom prst="line">
+            <a:avLst/>
+          </a:prstGeom>
+          <a:ln w="25400" cap="rnd">
+            <a:solidFill>
+              <a:schemeClr val="bg1">
+                <a:lumMod val="50000"/>
+              </a:schemeClr>
+            </a:solidFill>
+            <a:prstDash val="sysDash"/>
+          </a:ln>
+        </p:spPr>
+        <p:style>
+          <a:lnRef idx="1">
+            <a:schemeClr val="accent1"/>
+          </a:lnRef>
+          <a:fillRef idx="0">
+            <a:schemeClr val="accent1"/>
+          </a:fillRef>
+          <a:effectRef idx="0">
+            <a:schemeClr val="accent1"/>
+          </a:effectRef>
+          <a:fontRef idx="minor">
+            <a:schemeClr val="tx1"/>
+          </a:fontRef>
+        </p:style>
+      </p:cxnSp>
+      <p:cxnSp>
+        <p:nvCxnSpPr>
+          <p:cNvPr id="14" name="Gerader Verbinder 19">
+            <a:extLst>
+              <a:ext uri="{FF2B5EF4-FFF2-40B4-BE49-F238E27FC236}">
+                <a16:creationId xmlns:a16="http://schemas.microsoft.com/office/drawing/2014/main" id="{CCD7159F-4FD3-CA43-9BB1-F4D5A56650AE}"/>
+              </a:ext>
+            </a:extLst>
+          </p:cNvPr>
+          <p:cNvCxnSpPr/>
+          <p:nvPr/>
+        </p:nvCxnSpPr>
+        <p:spPr>
+          <a:xfrm>
+            <a:off x="4306885" y="5664200"/>
+            <a:ext cx="1615440" cy="0"/>
+          </a:xfrm>
+          <a:prstGeom prst="line">
+            <a:avLst/>
+          </a:prstGeom>
+          <a:ln w="25400" cap="rnd">
+            <a:solidFill>
+              <a:schemeClr val="bg1">
+                <a:lumMod val="50000"/>
+              </a:schemeClr>
+            </a:solidFill>
+          </a:ln>
+        </p:spPr>
+        <p:style>
+          <a:lnRef idx="1">
+            <a:schemeClr val="accent1"/>
+          </a:lnRef>
+          <a:fillRef idx="0">
+            <a:schemeClr val="accent1"/>
+          </a:fillRef>
+          <a:effectRef idx="0">
+            <a:schemeClr val="accent1"/>
+          </a:effectRef>
+          <a:fontRef idx="minor">
+            <a:schemeClr val="tx1"/>
+          </a:fontRef>
+        </p:style>
+      </p:cxnSp>
+      <p:cxnSp>
+        <p:nvCxnSpPr>
+          <p:cNvPr id="15" name="Gerader Verbinder 22">
+            <a:extLst>
+              <a:ext uri="{FF2B5EF4-FFF2-40B4-BE49-F238E27FC236}">
+                <a16:creationId xmlns:a16="http://schemas.microsoft.com/office/drawing/2014/main" id="{3954872E-5548-1D47-9109-B9CC0C8471E1}"/>
+              </a:ext>
+            </a:extLst>
+          </p:cNvPr>
+          <p:cNvCxnSpPr>
+            <a:cxnSpLocks/>
+          </p:cNvCxnSpPr>
+          <p:nvPr/>
+        </p:nvCxnSpPr>
+        <p:spPr>
+          <a:xfrm>
+            <a:off x="6013450" y="5664200"/>
+            <a:ext cx="2319721" cy="0"/>
+          </a:xfrm>
+          <a:prstGeom prst="line">
+            <a:avLst/>
+          </a:prstGeom>
+          <a:ln w="25400" cap="rnd">
+            <a:solidFill>
+              <a:schemeClr val="bg1">
+                <a:lumMod val="50000"/>
+              </a:schemeClr>
+            </a:solidFill>
+            <a:headEnd type="oval"/>
+          </a:ln>
+        </p:spPr>
+        <p:style>
+          <a:lnRef idx="1">
+            <a:schemeClr val="accent1"/>
+          </a:lnRef>
+          <a:fillRef idx="0">
+            <a:schemeClr val="accent1"/>
+          </a:fillRef>
+          <a:effectRef idx="0">
+            <a:schemeClr val="accent1"/>
+          </a:effectRef>
+          <a:fontRef idx="minor">
+            <a:schemeClr val="tx1"/>
+          </a:fontRef>
+        </p:style>
+      </p:cxnSp>
+      <p:cxnSp>
+        <p:nvCxnSpPr>
+          <p:cNvPr id="16" name="Gerader Verbinder 23">
+            <a:extLst>
+              <a:ext uri="{FF2B5EF4-FFF2-40B4-BE49-F238E27FC236}">
+                <a16:creationId xmlns:a16="http://schemas.microsoft.com/office/drawing/2014/main" id="{FDCC80D4-5673-6E49-84F1-57598D0EE677}"/>
+              </a:ext>
+            </a:extLst>
+          </p:cNvPr>
+          <p:cNvCxnSpPr>
+            <a:cxnSpLocks/>
+          </p:cNvCxnSpPr>
+          <p:nvPr/>
+        </p:nvCxnSpPr>
+        <p:spPr>
+          <a:xfrm flipV="1">
+            <a:off x="8333172" y="5572761"/>
+            <a:ext cx="0" cy="91439"/>
+          </a:xfrm>
+          <a:prstGeom prst="line">
+            <a:avLst/>
+          </a:prstGeom>
+          <a:ln w="25400">
+            <a:solidFill>
+              <a:schemeClr val="bg1">
+                <a:lumMod val="50000"/>
+              </a:schemeClr>
+            </a:solidFill>
+            <a:prstDash val="sysDash"/>
+          </a:ln>
+        </p:spPr>
+        <p:style>
+          <a:lnRef idx="1">
+            <a:schemeClr val="accent1"/>
+          </a:lnRef>
+          <a:fillRef idx="0">
+            <a:schemeClr val="accent1"/>
+          </a:fillRef>
+          <a:effectRef idx="0">
+            <a:schemeClr val="accent1"/>
+          </a:effectRef>
+          <a:fontRef idx="minor">
+            <a:schemeClr val="tx1"/>
+          </a:fontRef>
+        </p:style>
+      </p:cxnSp>
+      <p:cxnSp>
+        <p:nvCxnSpPr>
+          <p:cNvPr id="17" name="Gerader Verbinder 24">
+            <a:extLst>
+              <a:ext uri="{FF2B5EF4-FFF2-40B4-BE49-F238E27FC236}">
+                <a16:creationId xmlns:a16="http://schemas.microsoft.com/office/drawing/2014/main" id="{8EE6BD80-108A-E041-95CD-A0FFADC5608E}"/>
+              </a:ext>
+            </a:extLst>
+          </p:cNvPr>
+          <p:cNvCxnSpPr>
+            <a:cxnSpLocks/>
+          </p:cNvCxnSpPr>
+          <p:nvPr/>
+        </p:nvCxnSpPr>
+        <p:spPr>
+          <a:xfrm>
+            <a:off x="8333171" y="5572761"/>
+            <a:ext cx="86929" cy="215899"/>
+          </a:xfrm>
+          <a:prstGeom prst="line">
+            <a:avLst/>
+          </a:prstGeom>
+          <a:ln w="25400" cap="rnd">
+            <a:solidFill>
+              <a:schemeClr val="bg1">
+                <a:lumMod val="50000"/>
+              </a:schemeClr>
+            </a:solidFill>
+            <a:prstDash val="sysDash"/>
+          </a:ln>
+        </p:spPr>
+        <p:style>
+          <a:lnRef idx="1">
+            <a:schemeClr val="accent1"/>
+          </a:lnRef>
+          <a:fillRef idx="0">
+            <a:schemeClr val="accent1"/>
+          </a:fillRef>
+          <a:effectRef idx="0">
+            <a:schemeClr val="accent1"/>
+          </a:effectRef>
+          <a:fontRef idx="minor">
+            <a:schemeClr val="tx1"/>
+          </a:fontRef>
+        </p:style>
+      </p:cxnSp>
+      <p:cxnSp>
+        <p:nvCxnSpPr>
+          <p:cNvPr id="18" name="Gerader Verbinder 25">
+            <a:extLst>
+              <a:ext uri="{FF2B5EF4-FFF2-40B4-BE49-F238E27FC236}">
+                <a16:creationId xmlns:a16="http://schemas.microsoft.com/office/drawing/2014/main" id="{CC2DDF40-726E-0F4B-A8EB-6646410207C1}"/>
+              </a:ext>
+            </a:extLst>
+          </p:cNvPr>
+          <p:cNvCxnSpPr/>
+          <p:nvPr/>
+        </p:nvCxnSpPr>
+        <p:spPr>
+          <a:xfrm flipV="1">
+            <a:off x="8421685" y="5664200"/>
+            <a:ext cx="0" cy="109220"/>
+          </a:xfrm>
+          <a:prstGeom prst="line">
+            <a:avLst/>
+          </a:prstGeom>
+          <a:ln w="25400" cap="rnd">
+            <a:solidFill>
+              <a:schemeClr val="bg1">
+                <a:lumMod val="50000"/>
+              </a:schemeClr>
+            </a:solidFill>
+            <a:prstDash val="sysDash"/>
+          </a:ln>
+        </p:spPr>
+        <p:style>
+          <a:lnRef idx="1">
+            <a:schemeClr val="accent1"/>
+          </a:lnRef>
+          <a:fillRef idx="0">
+            <a:schemeClr val="accent1"/>
+          </a:fillRef>
+          <a:effectRef idx="0">
+            <a:schemeClr val="accent1"/>
+          </a:effectRef>
+          <a:fontRef idx="minor">
+            <a:schemeClr val="tx1"/>
+          </a:fontRef>
+        </p:style>
+      </p:cxnSp>
+      <p:cxnSp>
+        <p:nvCxnSpPr>
+          <p:cNvPr id="19" name="Gerader Verbinder 26">
+            <a:extLst>
+              <a:ext uri="{FF2B5EF4-FFF2-40B4-BE49-F238E27FC236}">
+                <a16:creationId xmlns:a16="http://schemas.microsoft.com/office/drawing/2014/main" id="{17D89EA9-0B68-7345-871C-8C0E246421D2}"/>
+              </a:ext>
+            </a:extLst>
+          </p:cNvPr>
+          <p:cNvCxnSpPr>
+            <a:cxnSpLocks/>
+          </p:cNvCxnSpPr>
+          <p:nvPr/>
+        </p:nvCxnSpPr>
+        <p:spPr>
+          <a:xfrm>
+            <a:off x="8421685" y="5664200"/>
+            <a:ext cx="2589215" cy="0"/>
+          </a:xfrm>
+          <a:prstGeom prst="line">
+            <a:avLst/>
+          </a:prstGeom>
+          <a:ln w="25400" cap="rnd">
+            <a:solidFill>
+              <a:schemeClr val="bg1">
+                <a:lumMod val="50000"/>
+              </a:schemeClr>
+            </a:solidFill>
+          </a:ln>
+        </p:spPr>
+        <p:style>
+          <a:lnRef idx="1">
+            <a:schemeClr val="accent1"/>
+          </a:lnRef>
+          <a:fillRef idx="0">
+            <a:schemeClr val="accent1"/>
+          </a:fillRef>
+          <a:effectRef idx="0">
+            <a:schemeClr val="accent1"/>
+          </a:effectRef>
+          <a:fontRef idx="minor">
+            <a:schemeClr val="tx1"/>
+          </a:fontRef>
+        </p:style>
+      </p:cxnSp>
+      <p:pic>
+        <p:nvPicPr>
+          <p:cNvPr id="20" name="Grafik 32" descr="Rakete">
+            <a:extLst>
+              <a:ext uri="{FF2B5EF4-FFF2-40B4-BE49-F238E27FC236}">
+                <a16:creationId xmlns:a16="http://schemas.microsoft.com/office/drawing/2014/main" id="{196D556C-7F13-A448-A76D-6781242E7FA8}"/>
+              </a:ext>
+            </a:extLst>
+          </p:cNvPr>
+          <p:cNvPicPr>
+            <a:picLocks noChangeAspect="1"/>
+          </p:cNvPicPr>
+          <p:nvPr/>
+        </p:nvPicPr>
+        <p:blipFill>
+          <a:blip r:embed="rId2">
+            <a:extLst>
+              <a:ext uri="{96DAC541-7B7A-43D3-8B79-37D633B846F1}">
+                <asvg:svgBlip xmlns:asvg="http://schemas.microsoft.com/office/drawing/2016/SVG/main" r:embed="rId3"/>
+              </a:ext>
+            </a:extLst>
+          </a:blip>
+          <a:stretch>
+            <a:fillRect/>
+          </a:stretch>
+        </p:blipFill>
+        <p:spPr>
+          <a:xfrm rot="18896882">
+            <a:off x="527628" y="5150829"/>
+            <a:ext cx="441759" cy="441759"/>
+          </a:xfrm>
+          <a:prstGeom prst="rect">
+            <a:avLst/>
+          </a:prstGeom>
+        </p:spPr>
+      </p:pic>
+      <p:cxnSp>
+        <p:nvCxnSpPr>
+          <p:cNvPr id="21" name="Gerader Verbinder 37">
+            <a:extLst>
+              <a:ext uri="{FF2B5EF4-FFF2-40B4-BE49-F238E27FC236}">
+                <a16:creationId xmlns:a16="http://schemas.microsoft.com/office/drawing/2014/main" id="{9F40FE36-48ED-E641-94B6-5520859224E3}"/>
+              </a:ext>
+            </a:extLst>
+          </p:cNvPr>
+          <p:cNvCxnSpPr>
+            <a:cxnSpLocks/>
+          </p:cNvCxnSpPr>
+          <p:nvPr/>
+        </p:nvCxnSpPr>
+        <p:spPr>
+          <a:xfrm>
+            <a:off x="11010899" y="1624649"/>
+            <a:ext cx="0" cy="3948112"/>
+          </a:xfrm>
+          <a:prstGeom prst="line">
+            <a:avLst/>
+          </a:prstGeom>
+          <a:ln w="38100" cap="rnd">
+            <a:solidFill>
+              <a:schemeClr val="tx1">
+                <a:lumMod val="65000"/>
+                <a:lumOff val="35000"/>
+              </a:schemeClr>
+            </a:solidFill>
+            <a:prstDash val="sysDot"/>
+          </a:ln>
+        </p:spPr>
+        <p:style>
+          <a:lnRef idx="1">
+            <a:schemeClr val="accent1"/>
+          </a:lnRef>
+          <a:fillRef idx="0">
+            <a:schemeClr val="accent1"/>
+          </a:fillRef>
+          <a:effectRef idx="0">
+            <a:schemeClr val="accent1"/>
+          </a:effectRef>
+          <a:fontRef idx="minor">
+            <a:schemeClr val="tx1"/>
+          </a:fontRef>
+        </p:style>
+      </p:cxnSp>
+      <p:cxnSp>
+        <p:nvCxnSpPr>
+          <p:cNvPr id="22" name="Gerader Verbinder 38">
+            <a:extLst>
+              <a:ext uri="{FF2B5EF4-FFF2-40B4-BE49-F238E27FC236}">
+                <a16:creationId xmlns:a16="http://schemas.microsoft.com/office/drawing/2014/main" id="{028649AF-0863-D049-AD52-F9AB8BA16285}"/>
+              </a:ext>
+            </a:extLst>
+          </p:cNvPr>
+          <p:cNvCxnSpPr>
+            <a:cxnSpLocks/>
+          </p:cNvCxnSpPr>
+          <p:nvPr/>
+        </p:nvCxnSpPr>
+        <p:spPr>
+          <a:xfrm>
+            <a:off x="6013449" y="5081915"/>
+            <a:ext cx="0" cy="513424"/>
+          </a:xfrm>
+          <a:prstGeom prst="line">
+            <a:avLst/>
+          </a:prstGeom>
+          <a:ln w="38100" cap="rnd">
+            <a:solidFill>
+              <a:schemeClr val="tx1">
+                <a:lumMod val="65000"/>
+                <a:lumOff val="35000"/>
+              </a:schemeClr>
+            </a:solidFill>
+            <a:prstDash val="sysDot"/>
+          </a:ln>
+        </p:spPr>
+        <p:style>
+          <a:lnRef idx="1">
+            <a:schemeClr val="accent1"/>
+          </a:lnRef>
+          <a:fillRef idx="0">
+            <a:schemeClr val="accent1"/>
+          </a:fillRef>
+          <a:effectRef idx="0">
+            <a:schemeClr val="accent1"/>
+          </a:effectRef>
+          <a:fontRef idx="minor">
+            <a:schemeClr val="tx1"/>
+          </a:fontRef>
+        </p:style>
+      </p:cxnSp>
+      <p:cxnSp>
+        <p:nvCxnSpPr>
+          <p:cNvPr id="23" name="Gerader Verbinder 40">
+            <a:extLst>
+              <a:ext uri="{FF2B5EF4-FFF2-40B4-BE49-F238E27FC236}">
+                <a16:creationId xmlns:a16="http://schemas.microsoft.com/office/drawing/2014/main" id="{D52AAC47-AEC7-254C-B8BC-4FBF715DD8F5}"/>
+              </a:ext>
+            </a:extLst>
+          </p:cNvPr>
+          <p:cNvCxnSpPr>
+            <a:cxnSpLocks/>
+          </p:cNvCxnSpPr>
+          <p:nvPr/>
+        </p:nvCxnSpPr>
+        <p:spPr>
+          <a:xfrm>
+            <a:off x="2908300" y="5572761"/>
+            <a:ext cx="0" cy="0"/>
+          </a:xfrm>
+          <a:prstGeom prst="line">
+            <a:avLst/>
+          </a:prstGeom>
+          <a:ln w="38100" cap="rnd">
+            <a:solidFill>
+              <a:schemeClr val="tx1">
+                <a:lumMod val="75000"/>
+                <a:lumOff val="25000"/>
+              </a:schemeClr>
+            </a:solidFill>
+            <a:prstDash val="sysDot"/>
+          </a:ln>
+        </p:spPr>
+        <p:style>
+          <a:lnRef idx="1">
+            <a:schemeClr val="accent1"/>
+          </a:lnRef>
+          <a:fillRef idx="0">
+            <a:schemeClr val="accent1"/>
+          </a:fillRef>
+          <a:effectRef idx="0">
+            <a:schemeClr val="accent1"/>
+          </a:effectRef>
+          <a:fontRef idx="minor">
+            <a:schemeClr val="tx1"/>
+          </a:fontRef>
+        </p:style>
+      </p:cxnSp>
+      <p:pic>
+        <p:nvPicPr>
+          <p:cNvPr id="24" name="Grafik 34" descr="Rakete">
+            <a:extLst>
+              <a:ext uri="{FF2B5EF4-FFF2-40B4-BE49-F238E27FC236}">
+                <a16:creationId xmlns:a16="http://schemas.microsoft.com/office/drawing/2014/main" id="{7D8290ED-884C-DF4C-BA9A-053644432C04}"/>
+              </a:ext>
+            </a:extLst>
+          </p:cNvPr>
+          <p:cNvPicPr>
+            <a:picLocks noChangeAspect="1"/>
+          </p:cNvPicPr>
+          <p:nvPr/>
+        </p:nvPicPr>
+        <p:blipFill>
+          <a:blip r:embed="rId2">
+            <a:extLst>
+              <a:ext uri="{96DAC541-7B7A-43D3-8B79-37D633B846F1}">
+                <asvg:svgBlip xmlns:asvg="http://schemas.microsoft.com/office/drawing/2016/SVG/main" r:embed="rId3"/>
+              </a:ext>
+            </a:extLst>
+          </a:blip>
+          <a:stretch>
+            <a:fillRect/>
+          </a:stretch>
+        </p:blipFill>
+        <p:spPr>
+          <a:xfrm rot="18896882">
+            <a:off x="5803859" y="4592941"/>
+            <a:ext cx="441759" cy="441759"/>
+          </a:xfrm>
+          <a:prstGeom prst="rect">
+            <a:avLst/>
+          </a:prstGeom>
+        </p:spPr>
+      </p:pic>
+      <p:pic>
+        <p:nvPicPr>
+          <p:cNvPr id="25" name="Grafik 35" descr="Rakete">
+            <a:extLst>
+              <a:ext uri="{FF2B5EF4-FFF2-40B4-BE49-F238E27FC236}">
+                <a16:creationId xmlns:a16="http://schemas.microsoft.com/office/drawing/2014/main" id="{793EE339-BC41-2C4F-BB8A-31568FDB0D0F}"/>
+              </a:ext>
+            </a:extLst>
+          </p:cNvPr>
+          <p:cNvPicPr>
+            <a:picLocks noChangeAspect="1"/>
+          </p:cNvPicPr>
+          <p:nvPr/>
+        </p:nvPicPr>
+        <p:blipFill>
+          <a:blip r:embed="rId2">
+            <a:extLst>
+              <a:ext uri="{96DAC541-7B7A-43D3-8B79-37D633B846F1}">
+                <asvg:svgBlip xmlns:asvg="http://schemas.microsoft.com/office/drawing/2016/SVG/main" r:embed="rId3"/>
+              </a:ext>
+            </a:extLst>
+          </a:blip>
+          <a:stretch>
+            <a:fillRect/>
+          </a:stretch>
+        </p:blipFill>
+        <p:spPr>
+          <a:xfrm rot="18896882">
+            <a:off x="10790020" y="1211637"/>
+            <a:ext cx="441759" cy="441759"/>
+          </a:xfrm>
+          <a:prstGeom prst="rect">
+            <a:avLst/>
+          </a:prstGeom>
+        </p:spPr>
+      </p:pic>
+    </p:spTree>
+    <p:extLst>
+      <p:ext uri="{BB962C8B-B14F-4D97-AF65-F5344CB8AC3E}">
+        <p14:creationId xmlns:p14="http://schemas.microsoft.com/office/powerpoint/2010/main" val="3814855893"/>
+      </p:ext>
+    </p:extLst>
+  </p:cSld>
+  <p:clrMapOvr>
+    <a:masterClrMapping/>
+  </p:clrMapOvr>
+</p:sld>
+</file>
+
+<file path=ppt/slides/slide6.xml><?xml version="1.0" encoding="utf-8"?>
+<p:sld xmlns:a="http://schemas.openxmlformats.org/drawingml/2006/main" xmlns:r="http://schemas.openxmlformats.org/officeDocument/2006/relationships" xmlns:p="http://schemas.openxmlformats.org/presentationml/2006/main">
+  <p:cSld>
+    <p:bg>
+      <p:bgPr>
+        <a:gradFill flip="none" rotWithShape="1">
+          <a:gsLst>
+            <a:gs pos="0">
+              <a:schemeClr val="accent6">
+                <a:lumMod val="67000"/>
+              </a:schemeClr>
+            </a:gs>
+            <a:gs pos="100000">
+              <a:srgbClr val="69A444"/>
+            </a:gs>
+          </a:gsLst>
+          <a:lin ang="16200000" scaled="1"/>
+          <a:tileRect/>
+        </a:gradFill>
+        <a:effectLst/>
+      </p:bgPr>
+    </p:bg>
+    <p:spTree>
+      <p:nvGrpSpPr>
+        <p:cNvPr id="1" name=""/>
+        <p:cNvGrpSpPr/>
+        <p:nvPr/>
+      </p:nvGrpSpPr>
+      <p:grpSpPr>
+        <a:xfrm>
+          <a:off x="0" y="0"/>
+          <a:ext cx="0" cy="0"/>
+          <a:chOff x="0" y="0"/>
+          <a:chExt cx="0" cy="0"/>
+        </a:xfrm>
+      </p:grpSpPr>
+      <p:sp>
+        <p:nvSpPr>
+          <p:cNvPr id="4" name="TextBox 3">
+            <a:extLst>
+              <a:ext uri="{FF2B5EF4-FFF2-40B4-BE49-F238E27FC236}">
+                <a16:creationId xmlns:a16="http://schemas.microsoft.com/office/drawing/2014/main" id="{32BF05A3-9289-4641-B741-CCA19FBF7100}"/>
+              </a:ext>
+            </a:extLst>
+          </p:cNvPr>
+          <p:cNvSpPr txBox="1"/>
+          <p:nvPr/>
+        </p:nvSpPr>
+        <p:spPr>
+          <a:xfrm>
+            <a:off x="1261342" y="2631236"/>
+            <a:ext cx="3661580" cy="1107996"/>
+          </a:xfrm>
+          <a:prstGeom prst="rect">
+            <a:avLst/>
+          </a:prstGeom>
+          <a:noFill/>
+        </p:spPr>
+        <p:txBody>
+          <a:bodyPr wrap="none" rtlCol="0">
+            <a:spAutoFit/>
+          </a:bodyPr>
+          <a:lstStyle/>
+          <a:p>
+            <a:r>
+              <a:rPr lang="en-US" sz="6600" b="1" dirty="0" err="1">
+                <a:solidFill>
+                  <a:schemeClr val="bg1"/>
+                </a:solidFill>
+                <a:latin typeface="Aharoni" panose="02010803020104030203" pitchFamily="2" charset="-79"/>
+                <a:cs typeface="Aharoni" panose="02010803020104030203" pitchFamily="2" charset="-79"/>
+              </a:rPr>
+              <a:t>mit</a:t>
+            </a:r>
+            <a:r>
+              <a:rPr lang="en-US" sz="6600" b="1" dirty="0">
+                <a:solidFill>
+                  <a:schemeClr val="bg1"/>
+                </a:solidFill>
+                <a:latin typeface="Aharoni" panose="02010803020104030203" pitchFamily="2" charset="-79"/>
+                <a:cs typeface="Aharoni" panose="02010803020104030203" pitchFamily="2" charset="-79"/>
+              </a:rPr>
+              <a:t> </a:t>
+            </a:r>
+            <a:r>
+              <a:rPr lang="en-US" sz="6600" b="1" dirty="0" err="1">
+                <a:solidFill>
+                  <a:schemeClr val="bg1"/>
+                </a:solidFill>
+                <a:latin typeface="Aharoni" panose="02010803020104030203" pitchFamily="2" charset="-79"/>
+                <a:cs typeface="Aharoni" panose="02010803020104030203" pitchFamily="2" charset="-79"/>
+              </a:rPr>
+              <a:t>wem</a:t>
+            </a:r>
+            <a:endParaRPr lang="en-US" sz="6600" b="1" dirty="0">
+              <a:solidFill>
+                <a:schemeClr val="bg1"/>
+              </a:solidFill>
+              <a:latin typeface="Aharoni" panose="02010803020104030203" pitchFamily="2" charset="-79"/>
+              <a:cs typeface="Aharoni" panose="02010803020104030203" pitchFamily="2" charset="-79"/>
+            </a:endParaRPr>
+          </a:p>
+        </p:txBody>
+      </p:sp>
+    </p:spTree>
+    <p:extLst>
+      <p:ext uri="{BB962C8B-B14F-4D97-AF65-F5344CB8AC3E}">
+        <p14:creationId xmlns:p14="http://schemas.microsoft.com/office/powerpoint/2010/main" val="3997849959"/>
+      </p:ext>
+    </p:extLst>
+  </p:cSld>
+  <p:clrMapOvr>
+    <a:masterClrMapping/>
+  </p:clrMapOvr>
+</p:sld>
+</file>
+
+<file path=ppt/slides/slide7.xml><?xml version="1.0" encoding="utf-8"?>
+<p:sld xmlns:a="http://schemas.openxmlformats.org/drawingml/2006/main" xmlns:r="http://schemas.openxmlformats.org/officeDocument/2006/relationships" xmlns:p="http://schemas.openxmlformats.org/presentationml/2006/main">
+  <p:cSld>
+    <p:bg>
+      <p:bgPr>
+        <a:gradFill flip="none" rotWithShape="1">
+          <a:gsLst>
+            <a:gs pos="0">
+              <a:schemeClr val="accent5">
+                <a:lumMod val="67000"/>
+              </a:schemeClr>
+            </a:gs>
+            <a:gs pos="100000">
+              <a:srgbClr val="538EC6"/>
+            </a:gs>
+          </a:gsLst>
+          <a:lin ang="16200000" scaled="1"/>
+          <a:tileRect/>
+        </a:gradFill>
+        <a:effectLst/>
+      </p:bgPr>
+    </p:bg>
+    <p:spTree>
+      <p:nvGrpSpPr>
+        <p:cNvPr id="1" name=""/>
+        <p:cNvGrpSpPr/>
+        <p:nvPr/>
+      </p:nvGrpSpPr>
+      <p:grpSpPr>
+        <a:xfrm>
+          <a:off x="0" y="0"/>
+          <a:ext cx="0" cy="0"/>
+          <a:chOff x="0" y="0"/>
+          <a:chExt cx="0" cy="0"/>
+        </a:xfrm>
+      </p:grpSpPr>
+      <p:sp>
+        <p:nvSpPr>
+          <p:cNvPr id="4" name="TextBox 3">
+            <a:extLst>
+              <a:ext uri="{FF2B5EF4-FFF2-40B4-BE49-F238E27FC236}">
+                <a16:creationId xmlns:a16="http://schemas.microsoft.com/office/drawing/2014/main" id="{32BF05A3-9289-4641-B741-CCA19FBF7100}"/>
+              </a:ext>
+            </a:extLst>
+          </p:cNvPr>
+          <p:cNvSpPr txBox="1"/>
+          <p:nvPr/>
+        </p:nvSpPr>
+        <p:spPr>
+          <a:xfrm>
+            <a:off x="1261342" y="2631236"/>
+            <a:ext cx="5258171" cy="1107996"/>
+          </a:xfrm>
+          <a:prstGeom prst="rect">
+            <a:avLst/>
+          </a:prstGeom>
+          <a:noFill/>
+        </p:spPr>
+        <p:txBody>
+          <a:bodyPr wrap="none" rtlCol="0">
+            <a:spAutoFit/>
+          </a:bodyPr>
+          <a:lstStyle/>
+          <a:p>
+            <a:r>
+              <a:rPr lang="en-US" sz="6600" b="1" dirty="0" err="1">
+                <a:solidFill>
+                  <a:schemeClr val="bg1"/>
+                </a:solidFill>
+                <a:latin typeface="Aharoni" panose="02010803020104030203" pitchFamily="2" charset="-79"/>
+                <a:cs typeface="Aharoni" panose="02010803020104030203" pitchFamily="2" charset="-79"/>
+              </a:rPr>
+              <a:t>warum</a:t>
+            </a:r>
+            <a:r>
+              <a:rPr lang="en-US" sz="6600" b="1" dirty="0">
+                <a:solidFill>
+                  <a:schemeClr val="bg1"/>
+                </a:solidFill>
+                <a:latin typeface="Aharoni" panose="02010803020104030203" pitchFamily="2" charset="-79"/>
+                <a:cs typeface="Aharoni" panose="02010803020104030203" pitchFamily="2" charset="-79"/>
+              </a:rPr>
+              <a:t> </a:t>
+            </a:r>
+            <a:r>
+              <a:rPr lang="en-US" sz="6600" b="1" dirty="0" err="1">
+                <a:solidFill>
+                  <a:schemeClr val="bg1"/>
+                </a:solidFill>
+                <a:latin typeface="Aharoni" panose="02010803020104030203" pitchFamily="2" charset="-79"/>
+                <a:cs typeface="Aharoni" panose="02010803020104030203" pitchFamily="2" charset="-79"/>
+              </a:rPr>
+              <a:t>nicht</a:t>
+            </a:r>
+            <a:endParaRPr lang="en-US" sz="6600" b="1" dirty="0">
+              <a:solidFill>
+                <a:schemeClr val="bg1"/>
+              </a:solidFill>
+              <a:latin typeface="Aharoni" panose="02010803020104030203" pitchFamily="2" charset="-79"/>
+              <a:cs typeface="Aharoni" panose="02010803020104030203" pitchFamily="2" charset="-79"/>
+            </a:endParaRPr>
+          </a:p>
+        </p:txBody>
+      </p:sp>
+    </p:spTree>
+    <p:extLst>
+      <p:ext uri="{BB962C8B-B14F-4D97-AF65-F5344CB8AC3E}">
+        <p14:creationId xmlns:p14="http://schemas.microsoft.com/office/powerpoint/2010/main" val="2902395"/>
+      </p:ext>
+    </p:extLst>
+  </p:cSld>
+  <p:clrMapOvr>
+    <a:masterClrMapping/>
+  </p:clrMapOvr>
+</p:sld>
+</file>
+
 <file path=ppt/theme/theme1.xml><?xml version="1.0" encoding="utf-8"?>
 <a:theme xmlns:a="http://schemas.openxmlformats.org/drawingml/2006/main" name="Office Theme">
   <a:themeElements>

--- a/concept/kreativkopf_concept_draft.pptx
+++ b/concept/kreativkopf_concept_draft.pptx
@@ -6,12 +6,13 @@
   </p:sldMasterIdLst>
   <p:sldIdLst>
     <p:sldId id="256" r:id="rId2"/>
-    <p:sldId id="257" r:id="rId3"/>
-    <p:sldId id="258" r:id="rId4"/>
-    <p:sldId id="259" r:id="rId5"/>
-    <p:sldId id="262" r:id="rId6"/>
-    <p:sldId id="260" r:id="rId7"/>
-    <p:sldId id="261" r:id="rId8"/>
+    <p:sldId id="263" r:id="rId3"/>
+    <p:sldId id="257" r:id="rId4"/>
+    <p:sldId id="258" r:id="rId5"/>
+    <p:sldId id="259" r:id="rId6"/>
+    <p:sldId id="262" r:id="rId7"/>
+    <p:sldId id="260" r:id="rId8"/>
+    <p:sldId id="261" r:id="rId9"/>
   </p:sldIdLst>
   <p:sldSz cx="12192000" cy="6858000"/>
   <p:notesSz cx="6858000" cy="9144000"/>
@@ -267,7 +268,7 @@
           <a:p>
             <a:fld id="{AD759C05-7800-D742-A36D-EDF88F504BCA}" type="datetimeFigureOut">
               <a:rPr lang="en-US" smtClean="0"/>
-              <a:t>3/12/21</a:t>
+              <a:t>3/25/21</a:t>
             </a:fld>
             <a:endParaRPr lang="en-US"/>
           </a:p>
@@ -467,7 +468,7 @@
           <a:p>
             <a:fld id="{AD759C05-7800-D742-A36D-EDF88F504BCA}" type="datetimeFigureOut">
               <a:rPr lang="en-US" smtClean="0"/>
-              <a:t>3/12/21</a:t>
+              <a:t>3/25/21</a:t>
             </a:fld>
             <a:endParaRPr lang="en-US"/>
           </a:p>
@@ -677,7 +678,7 @@
           <a:p>
             <a:fld id="{AD759C05-7800-D742-A36D-EDF88F504BCA}" type="datetimeFigureOut">
               <a:rPr lang="en-US" smtClean="0"/>
-              <a:t>3/12/21</a:t>
+              <a:t>3/25/21</a:t>
             </a:fld>
             <a:endParaRPr lang="en-US"/>
           </a:p>
@@ -877,7 +878,7 @@
           <a:p>
             <a:fld id="{AD759C05-7800-D742-A36D-EDF88F504BCA}" type="datetimeFigureOut">
               <a:rPr lang="en-US" smtClean="0"/>
-              <a:t>3/12/21</a:t>
+              <a:t>3/25/21</a:t>
             </a:fld>
             <a:endParaRPr lang="en-US"/>
           </a:p>
@@ -1153,7 +1154,7 @@
           <a:p>
             <a:fld id="{AD759C05-7800-D742-A36D-EDF88F504BCA}" type="datetimeFigureOut">
               <a:rPr lang="en-US" smtClean="0"/>
-              <a:t>3/12/21</a:t>
+              <a:t>3/25/21</a:t>
             </a:fld>
             <a:endParaRPr lang="en-US"/>
           </a:p>
@@ -1421,7 +1422,7 @@
           <a:p>
             <a:fld id="{AD759C05-7800-D742-A36D-EDF88F504BCA}" type="datetimeFigureOut">
               <a:rPr lang="en-US" smtClean="0"/>
-              <a:t>3/12/21</a:t>
+              <a:t>3/25/21</a:t>
             </a:fld>
             <a:endParaRPr lang="en-US"/>
           </a:p>
@@ -1836,7 +1837,7 @@
           <a:p>
             <a:fld id="{AD759C05-7800-D742-A36D-EDF88F504BCA}" type="datetimeFigureOut">
               <a:rPr lang="en-US" smtClean="0"/>
-              <a:t>3/12/21</a:t>
+              <a:t>3/25/21</a:t>
             </a:fld>
             <a:endParaRPr lang="en-US"/>
           </a:p>
@@ -1978,7 +1979,7 @@
           <a:p>
             <a:fld id="{AD759C05-7800-D742-A36D-EDF88F504BCA}" type="datetimeFigureOut">
               <a:rPr lang="en-US" smtClean="0"/>
-              <a:t>3/12/21</a:t>
+              <a:t>3/25/21</a:t>
             </a:fld>
             <a:endParaRPr lang="en-US"/>
           </a:p>
@@ -2091,7 +2092,7 @@
           <a:p>
             <a:fld id="{AD759C05-7800-D742-A36D-EDF88F504BCA}" type="datetimeFigureOut">
               <a:rPr lang="en-US" smtClean="0"/>
-              <a:t>3/12/21</a:t>
+              <a:t>3/25/21</a:t>
             </a:fld>
             <a:endParaRPr lang="en-US"/>
           </a:p>
@@ -2404,7 +2405,7 @@
           <a:p>
             <a:fld id="{AD759C05-7800-D742-A36D-EDF88F504BCA}" type="datetimeFigureOut">
               <a:rPr lang="en-US" smtClean="0"/>
-              <a:t>3/12/21</a:t>
+              <a:t>3/25/21</a:t>
             </a:fld>
             <a:endParaRPr lang="en-US"/>
           </a:p>
@@ -2693,7 +2694,7 @@
           <a:p>
             <a:fld id="{AD759C05-7800-D742-A36D-EDF88F504BCA}" type="datetimeFigureOut">
               <a:rPr lang="en-US" smtClean="0"/>
-              <a:t>3/12/21</a:t>
+              <a:t>3/25/21</a:t>
             </a:fld>
             <a:endParaRPr lang="en-US"/>
           </a:p>
@@ -2936,7 +2937,7 @@
           <a:p>
             <a:fld id="{AD759C05-7800-D742-A36D-EDF88F504BCA}" type="datetimeFigureOut">
               <a:rPr lang="en-US" smtClean="0"/>
-              <a:t>3/12/21</a:t>
+              <a:t>3/25/21</a:t>
             </a:fld>
             <a:endParaRPr lang="en-US"/>
           </a:p>
@@ -3448,6 +3449,185 @@
 </file>
 
 <file path=ppt/slides/slide2.xml><?xml version="1.0" encoding="utf-8"?>
+<p:sld xmlns:a="http://schemas.openxmlformats.org/drawingml/2006/main" xmlns:r="http://schemas.openxmlformats.org/officeDocument/2006/relationships" xmlns:p="http://schemas.openxmlformats.org/presentationml/2006/main" show="0">
+  <p:cSld>
+    <p:bg>
+      <p:bgPr>
+        <a:pattFill prst="ltVert">
+          <a:fgClr>
+            <a:srgbClr val="1B1B1B"/>
+          </a:fgClr>
+          <a:bgClr>
+            <a:srgbClr val="0C0C0C"/>
+          </a:bgClr>
+        </a:pattFill>
+        <a:effectLst/>
+      </p:bgPr>
+    </p:bg>
+    <p:spTree>
+      <p:nvGrpSpPr>
+        <p:cNvPr id="1" name=""/>
+        <p:cNvGrpSpPr/>
+        <p:nvPr/>
+      </p:nvGrpSpPr>
+      <p:grpSpPr>
+        <a:xfrm>
+          <a:off x="0" y="0"/>
+          <a:ext cx="0" cy="0"/>
+          <a:chOff x="0" y="0"/>
+          <a:chExt cx="0" cy="0"/>
+        </a:xfrm>
+      </p:grpSpPr>
+      <p:grpSp>
+        <p:nvGrpSpPr>
+          <p:cNvPr id="2" name="Group 1">
+            <a:extLst>
+              <a:ext uri="{FF2B5EF4-FFF2-40B4-BE49-F238E27FC236}">
+                <a16:creationId xmlns:a16="http://schemas.microsoft.com/office/drawing/2014/main" id="{AE1F0236-7C2E-DD4D-96A1-6D6827B67E44}"/>
+              </a:ext>
+            </a:extLst>
+          </p:cNvPr>
+          <p:cNvGrpSpPr/>
+          <p:nvPr/>
+        </p:nvGrpSpPr>
+        <p:grpSpPr>
+          <a:xfrm>
+            <a:off x="2399398" y="913222"/>
+            <a:ext cx="9030604" cy="5185444"/>
+            <a:chOff x="2203455" y="690419"/>
+            <a:chExt cx="9030604" cy="5185444"/>
+          </a:xfrm>
+        </p:grpSpPr>
+        <p:sp>
+          <p:nvSpPr>
+            <p:cNvPr id="4" name="TextBox 3">
+              <a:extLst>
+                <a:ext uri="{FF2B5EF4-FFF2-40B4-BE49-F238E27FC236}">
+                  <a16:creationId xmlns:a16="http://schemas.microsoft.com/office/drawing/2014/main" id="{38C7DB3A-D3EC-484C-8EB9-55CC44C28D51}"/>
+                </a:ext>
+              </a:extLst>
+            </p:cNvPr>
+            <p:cNvSpPr txBox="1"/>
+            <p:nvPr/>
+          </p:nvSpPr>
+          <p:spPr>
+            <a:xfrm>
+              <a:off x="2268767" y="690419"/>
+              <a:ext cx="7130157" cy="2646878"/>
+            </a:xfrm>
+            <a:prstGeom prst="rect">
+              <a:avLst/>
+            </a:prstGeom>
+            <a:noFill/>
+          </p:spPr>
+          <p:txBody>
+            <a:bodyPr wrap="none" rtlCol="0">
+              <a:spAutoFit/>
+            </a:bodyPr>
+            <a:lstStyle/>
+            <a:p>
+              <a:r>
+                <a:rPr lang="en-US" sz="16600" b="1" spc="-320" dirty="0">
+                  <a:solidFill>
+                    <a:srgbClr val="FBFBFB"/>
+                  </a:solidFill>
+                  <a:effectLst>
+                    <a:outerShdw blurRad="50800" dist="38100" dir="5400000" algn="t" rotWithShape="0">
+                      <a:schemeClr val="bg1">
+                        <a:lumMod val="50000"/>
+                        <a:alpha val="40000"/>
+                      </a:schemeClr>
+                    </a:outerShdw>
+                  </a:effectLst>
+                  <a:latin typeface="Aharoni" panose="02010803020104030203" pitchFamily="2" charset="-79"/>
+                  <a:cs typeface="Aharoni" panose="02010803020104030203" pitchFamily="2" charset="-79"/>
+                </a:rPr>
+                <a:t>kreativ</a:t>
+              </a:r>
+              <a:endParaRPr lang="en-US" sz="10600" dirty="0">
+                <a:solidFill>
+                  <a:srgbClr val="FBFBFB"/>
+                </a:solidFill>
+                <a:effectLst>
+                  <a:outerShdw blurRad="50800" dist="38100" dir="5400000" algn="t" rotWithShape="0">
+                    <a:schemeClr val="bg1">
+                      <a:lumMod val="50000"/>
+                      <a:alpha val="40000"/>
+                    </a:schemeClr>
+                  </a:outerShdw>
+                </a:effectLst>
+                <a:latin typeface="Arial Unicode MS" panose="020B0604020202020204" pitchFamily="34" charset="-128"/>
+                <a:ea typeface="Arial Unicode MS" panose="020B0604020202020204" pitchFamily="34" charset="-128"/>
+                <a:cs typeface="Arial Unicode MS" panose="020B0604020202020204" pitchFamily="34" charset="-128"/>
+              </a:endParaRPr>
+            </a:p>
+          </p:txBody>
+        </p:sp>
+        <p:sp>
+          <p:nvSpPr>
+            <p:cNvPr id="3" name="TextBox 2">
+              <a:extLst>
+                <a:ext uri="{FF2B5EF4-FFF2-40B4-BE49-F238E27FC236}">
+                  <a16:creationId xmlns:a16="http://schemas.microsoft.com/office/drawing/2014/main" id="{C31C99A6-7FB7-4A49-BA4E-B738D17DCBEC}"/>
+                </a:ext>
+              </a:extLst>
+            </p:cNvPr>
+            <p:cNvSpPr txBox="1"/>
+            <p:nvPr/>
+          </p:nvSpPr>
+          <p:spPr>
+            <a:xfrm>
+              <a:off x="2203455" y="2551876"/>
+              <a:ext cx="9030604" cy="3323987"/>
+            </a:xfrm>
+            <a:prstGeom prst="rect">
+              <a:avLst/>
+            </a:prstGeom>
+            <a:noFill/>
+          </p:spPr>
+          <p:txBody>
+            <a:bodyPr wrap="square" rtlCol="0">
+              <a:spAutoFit/>
+            </a:bodyPr>
+            <a:lstStyle/>
+            <a:p>
+              <a:r>
+                <a:rPr lang="en-US" sz="20500" dirty="0">
+                  <a:solidFill>
+                    <a:srgbClr val="FBFBFB"/>
+                  </a:solidFill>
+                  <a:effectLst>
+                    <a:outerShdw blurRad="50800" dist="38100" dir="5400000" algn="t" rotWithShape="0">
+                      <a:schemeClr val="bg1">
+                        <a:lumMod val="50000"/>
+                        <a:alpha val="40000"/>
+                      </a:schemeClr>
+                    </a:outerShdw>
+                  </a:effectLst>
+                  <a:latin typeface="Arial Unicode MS" panose="020B0604020202020204" pitchFamily="34" charset="-128"/>
+                  <a:ea typeface="Arial Unicode MS" panose="020B0604020202020204" pitchFamily="34" charset="-128"/>
+                  <a:cs typeface="Arial Unicode MS" panose="020B0604020202020204" pitchFamily="34" charset="-128"/>
+                </a:rPr>
+                <a:t>KOPF</a:t>
+              </a:r>
+            </a:p>
+          </p:txBody>
+        </p:sp>
+      </p:grpSp>
+    </p:spTree>
+    <p:extLst>
+      <p:ext uri="{BB962C8B-B14F-4D97-AF65-F5344CB8AC3E}">
+        <p14:creationId xmlns:p14="http://schemas.microsoft.com/office/powerpoint/2010/main" val="1169908855"/>
+      </p:ext>
+    </p:extLst>
+  </p:cSld>
+  <p:clrMapOvr>
+    <a:masterClrMapping/>
+  </p:clrMapOvr>
+</p:sld>
+</file>
+
+<file path=ppt/slides/slide3.xml><?xml version="1.0" encoding="utf-8"?>
 <p:sld xmlns:a="http://schemas.openxmlformats.org/drawingml/2006/main" xmlns:r="http://schemas.openxmlformats.org/officeDocument/2006/relationships" xmlns:p="http://schemas.openxmlformats.org/presentationml/2006/main">
   <p:cSld>
     <p:bg>
@@ -3623,7 +3803,7 @@
 </p:sld>
 </file>
 
-<file path=ppt/slides/slide3.xml><?xml version="1.0" encoding="utf-8"?>
+<file path=ppt/slides/slide4.xml><?xml version="1.0" encoding="utf-8"?>
 <p:sld xmlns:a="http://schemas.openxmlformats.org/drawingml/2006/main" xmlns:r="http://schemas.openxmlformats.org/officeDocument/2006/relationships" xmlns:p="http://schemas.openxmlformats.org/presentationml/2006/main">
   <p:cSld>
     <p:bg>
@@ -3847,7 +4027,7 @@
 </p:sld>
 </file>
 
-<file path=ppt/slides/slide4.xml><?xml version="1.0" encoding="utf-8"?>
+<file path=ppt/slides/slide5.xml><?xml version="1.0" encoding="utf-8"?>
 <p:sld xmlns:a="http://schemas.openxmlformats.org/drawingml/2006/main" xmlns:r="http://schemas.openxmlformats.org/officeDocument/2006/relationships" xmlns:p="http://schemas.openxmlformats.org/presentationml/2006/main">
   <p:cSld>
     <p:bg>
@@ -3948,7 +4128,7 @@
 </p:sld>
 </file>
 
-<file path=ppt/slides/slide5.xml><?xml version="1.0" encoding="utf-8"?>
+<file path=ppt/slides/slide6.xml><?xml version="1.0" encoding="utf-8"?>
 <p:sld xmlns:a="http://schemas.openxmlformats.org/drawingml/2006/main" xmlns:r="http://schemas.openxmlformats.org/officeDocument/2006/relationships" xmlns:p="http://schemas.openxmlformats.org/presentationml/2006/main" show="0">
   <p:cSld>
     <p:spTree>
@@ -4926,7 +5106,7 @@
 </p:sld>
 </file>
 
-<file path=ppt/slides/slide6.xml><?xml version="1.0" encoding="utf-8"?>
+<file path=ppt/slides/slide7.xml><?xml version="1.0" encoding="utf-8"?>
 <p:sld xmlns:a="http://schemas.openxmlformats.org/drawingml/2006/main" xmlns:r="http://schemas.openxmlformats.org/officeDocument/2006/relationships" xmlns:p="http://schemas.openxmlformats.org/presentationml/2006/main">
   <p:cSld>
     <p:bg>
@@ -5043,7 +5223,7 @@
 </p:sld>
 </file>
 
-<file path=ppt/slides/slide7.xml><?xml version="1.0" encoding="utf-8"?>
+<file path=ppt/slides/slide8.xml><?xml version="1.0" encoding="utf-8"?>
 <p:sld xmlns:a="http://schemas.openxmlformats.org/drawingml/2006/main" xmlns:r="http://schemas.openxmlformats.org/officeDocument/2006/relationships" xmlns:p="http://schemas.openxmlformats.org/presentationml/2006/main">
   <p:cSld>
     <p:bg>
